--- a/Documentation/BDA_Project PPT_final.pptx
+++ b/Documentation/BDA_Project PPT_final.pptx
@@ -5,32 +5,32 @@
     <p:sldMasterId id="2147483648" r:id="rId1"/>
   </p:sldMasterIdLst>
   <p:notesMasterIdLst>
-    <p:notesMasterId r:id="rId23"/>
+    <p:notesMasterId r:id="rId22"/>
   </p:notesMasterIdLst>
   <p:handoutMasterIdLst>
-    <p:handoutMasterId r:id="rId24"/>
+    <p:handoutMasterId r:id="rId23"/>
   </p:handoutMasterIdLst>
   <p:sldIdLst>
-    <p:sldId id="257" r:id="rId3"/>
-    <p:sldId id="265" r:id="rId4"/>
-    <p:sldId id="268" r:id="rId5"/>
-    <p:sldId id="270" r:id="rId6"/>
-    <p:sldId id="269" r:id="rId7"/>
-    <p:sldId id="267" r:id="rId8"/>
-    <p:sldId id="261" r:id="rId9"/>
-    <p:sldId id="271" r:id="rId10"/>
-    <p:sldId id="272" r:id="rId11"/>
-    <p:sldId id="273" r:id="rId12"/>
-    <p:sldId id="274" r:id="rId13"/>
-    <p:sldId id="276" r:id="rId14"/>
-    <p:sldId id="277" r:id="rId15"/>
-    <p:sldId id="278" r:id="rId16"/>
-    <p:sldId id="291" r:id="rId17"/>
-    <p:sldId id="292" r:id="rId18"/>
-    <p:sldId id="279" r:id="rId19"/>
-    <p:sldId id="280" r:id="rId20"/>
-    <p:sldId id="281" r:id="rId21"/>
-    <p:sldId id="282" r:id="rId22"/>
+    <p:sldId id="257" r:id="rId2"/>
+    <p:sldId id="265" r:id="rId3"/>
+    <p:sldId id="268" r:id="rId4"/>
+    <p:sldId id="270" r:id="rId5"/>
+    <p:sldId id="269" r:id="rId6"/>
+    <p:sldId id="267" r:id="rId7"/>
+    <p:sldId id="261" r:id="rId8"/>
+    <p:sldId id="271" r:id="rId9"/>
+    <p:sldId id="272" r:id="rId10"/>
+    <p:sldId id="273" r:id="rId11"/>
+    <p:sldId id="274" r:id="rId12"/>
+    <p:sldId id="276" r:id="rId13"/>
+    <p:sldId id="277" r:id="rId14"/>
+    <p:sldId id="278" r:id="rId15"/>
+    <p:sldId id="291" r:id="rId16"/>
+    <p:sldId id="292" r:id="rId17"/>
+    <p:sldId id="279" r:id="rId18"/>
+    <p:sldId id="280" r:id="rId19"/>
+    <p:sldId id="281" r:id="rId20"/>
+    <p:sldId id="282" r:id="rId21"/>
   </p:sldIdLst>
   <p:sldSz cx="12192000" cy="6858000"/>
   <p:notesSz cx="6858000" cy="9144000"/>
@@ -129,6 +129,25 @@
       </a:defRPr>
     </a:lvl9pPr>
   </p:defaultTextStyle>
+  <p:extLst>
+    <p:ext uri="{EFAFB233-063F-42B5-8137-9DF3F51BA10A}">
+      <p15:sldGuideLst xmlns:p15="http://schemas.microsoft.com/office/powerpoint/2012/main">
+        <p15:guide id="1" orient="horz" pos="2160">
+          <p15:clr>
+            <a:srgbClr val="A4A3A4"/>
+          </p15:clr>
+        </p15:guide>
+        <p15:guide id="2" pos="3840">
+          <p15:clr>
+            <a:srgbClr val="A4A3A4"/>
+          </p15:clr>
+        </p15:guide>
+      </p15:sldGuideLst>
+    </p:ext>
+    <p:ext uri="{2D200454-40CA-4A62-9FC3-DE9A4176ACB9}">
+      <p15:notesGuideLst xmlns:p15="http://schemas.microsoft.com/office/powerpoint/2012/main"/>
+    </p:ext>
+  </p:extLst>
 </p:presentation>
 </file>
 
@@ -214,6 +233,7 @@
           <a:p>
             <a:fld id="{F6E59275-AFE1-4999-B78A-D0D76B9F2B0B}" type="datetimeFigureOut">
               <a:rPr lang="en-US" smtClean="0"/>
+              <a:t>5/2/2022</a:t>
             </a:fld>
             <a:endParaRPr lang="en-US" dirty="0"/>
           </a:p>
@@ -279,6 +299,7 @@
           <a:p>
             <a:fld id="{6B668C69-0C3E-40A2-B4A0-B2C8B71D8E3A}" type="slidenum">
               <a:rPr lang="en-US" smtClean="0"/>
+              <a:t>‹#›</a:t>
             </a:fld>
             <a:endParaRPr lang="en-US" dirty="0"/>
           </a:p>
@@ -372,6 +393,7 @@
           <a:p>
             <a:fld id="{B3EADD7A-FE61-48EE-BE0E-8546E5401374}" type="datetimeFigureOut">
               <a:rPr lang="en-US" smtClean="0"/>
+              <a:t>5/2/2022</a:t>
             </a:fld>
             <a:endParaRPr lang="en-US" dirty="0"/>
           </a:p>
@@ -438,7 +460,6 @@
               <a:rPr lang="en-US"/>
               <a:t>Click to edit Master text styles</a:t>
             </a:r>
-            <a:endParaRPr lang="en-US"/>
           </a:p>
           <a:p>
             <a:pPr lvl="1"/>
@@ -446,7 +467,6 @@
               <a:rPr lang="en-US"/>
               <a:t>Second level</a:t>
             </a:r>
-            <a:endParaRPr lang="en-US"/>
           </a:p>
           <a:p>
             <a:pPr lvl="2"/>
@@ -454,7 +474,6 @@
               <a:rPr lang="en-US"/>
               <a:t>Third level</a:t>
             </a:r>
-            <a:endParaRPr lang="en-US"/>
           </a:p>
           <a:p>
             <a:pPr lvl="3"/>
@@ -462,7 +481,6 @@
               <a:rPr lang="en-US"/>
               <a:t>Fourth level</a:t>
             </a:r>
-            <a:endParaRPr lang="en-US"/>
           </a:p>
           <a:p>
             <a:pPr lvl="4"/>
@@ -470,7 +488,6 @@
               <a:rPr lang="en-US"/>
               <a:t>Fifth level</a:t>
             </a:r>
-            <a:endParaRPr lang="en-US"/>
           </a:p>
         </p:txBody>
       </p:sp>
@@ -534,6 +551,7 @@
           <a:p>
             <a:fld id="{EE000EEB-8338-48D7-8EE8-EE0082EF7602}" type="slidenum">
               <a:rPr lang="en-US" smtClean="0"/>
+              <a:t>‹#›</a:t>
             </a:fld>
             <a:endParaRPr lang="en-US" dirty="0"/>
           </a:p>
@@ -638,7 +656,7 @@
 </file>
 
 <file path=ppt/slideLayouts/slideLayout1.xml><?xml version="1.0" encoding="utf-8"?>
-<p:sldLayout xmlns:a="http://schemas.openxmlformats.org/drawingml/2006/main" xmlns:r="http://schemas.openxmlformats.org/officeDocument/2006/relationships" xmlns:p="http://schemas.openxmlformats.org/presentationml/2006/main" type="title" preserve="1" showMasterSp="0">
+<p:sldLayout xmlns:a="http://schemas.openxmlformats.org/drawingml/2006/main" xmlns:r="http://schemas.openxmlformats.org/officeDocument/2006/relationships" xmlns:p="http://schemas.openxmlformats.org/presentationml/2006/main" showMasterSp="0" type="title" preserve="1">
   <p:cSld name="Title Slide">
     <p:spTree>
       <p:nvGrpSpPr>
@@ -972,6 +990,7 @@
           <a:p>
             <a:fld id="{4AAD347D-5ACD-4C99-B74B-A9C85AD731AF}" type="datetimeFigureOut">
               <a:rPr lang="en-US" smtClean="0"/>
+              <a:t>5/2/2022</a:t>
             </a:fld>
             <a:endParaRPr lang="en-US" dirty="0"/>
           </a:p>
@@ -1069,6 +1088,7 @@
           <a:p>
             <a:fld id="{D57F1E4F-1CFF-5643-939E-02111984F565}" type="slidenum">
               <a:rPr lang="en-US" smtClean="0"/>
+              <a:t>‹#›</a:t>
             </a:fld>
             <a:endParaRPr lang="en-US" dirty="0"/>
           </a:p>
@@ -2033,7 +2053,6 @@
               <a:rPr lang="en-US"/>
               <a:t>Click to edit Master text styles</a:t>
             </a:r>
-            <a:endParaRPr lang="en-US"/>
           </a:p>
         </p:txBody>
       </p:sp>
@@ -2054,6 +2073,7 @@
           <a:p>
             <a:fld id="{4509A250-FF31-4206-8172-F9D3106AACB1}" type="datetimeFigureOut">
               <a:rPr lang="en-US" smtClean="0"/>
+              <a:t>5/2/2022</a:t>
             </a:fld>
             <a:endParaRPr lang="en-US" dirty="0"/>
           </a:p>
@@ -2131,6 +2151,7 @@
           <a:p>
             <a:fld id="{D57F1E4F-1CFF-5643-939E-02111984F565}" type="slidenum">
               <a:rPr lang="en-US" smtClean="0"/>
+              <a:t>‹#›</a:t>
             </a:fld>
             <a:endParaRPr lang="en-US" dirty="0"/>
           </a:p>
@@ -2145,7 +2166,7 @@
 </file>
 
 <file path=ppt/slideLayouts/slideLayout11.xml><?xml version="1.0" encoding="utf-8"?>
-<p:sldLayout xmlns:a="http://schemas.openxmlformats.org/drawingml/2006/main" xmlns:r="http://schemas.openxmlformats.org/officeDocument/2006/relationships" xmlns:p="http://schemas.openxmlformats.org/presentationml/2006/main" preserve="1" showMasterSp="0">
+<p:sldLayout xmlns:a="http://schemas.openxmlformats.org/drawingml/2006/main" xmlns:r="http://schemas.openxmlformats.org/officeDocument/2006/relationships" xmlns:p="http://schemas.openxmlformats.org/presentationml/2006/main" showMasterSp="0" preserve="1">
   <p:cSld name="Title and Caption">
     <p:spTree>
       <p:nvGrpSpPr>
@@ -3007,7 +3028,6 @@
               <a:rPr lang="en-US"/>
               <a:t>Click to edit Master text styles</a:t>
             </a:r>
-            <a:endParaRPr lang="en-US"/>
           </a:p>
         </p:txBody>
       </p:sp>
@@ -3028,6 +3048,7 @@
           <a:p>
             <a:fld id="{4509A250-FF31-4206-8172-F9D3106AACB1}" type="datetimeFigureOut">
               <a:rPr lang="en-US" smtClean="0"/>
+              <a:t>5/2/2022</a:t>
             </a:fld>
             <a:endParaRPr lang="en-US" dirty="0"/>
           </a:p>
@@ -3105,6 +3126,7 @@
           <a:p>
             <a:fld id="{D57F1E4F-1CFF-5643-939E-02111984F565}" type="slidenum">
               <a:rPr lang="en-US" smtClean="0"/>
+              <a:t>‹#›</a:t>
             </a:fld>
             <a:endParaRPr lang="en-US" dirty="0"/>
           </a:p>
@@ -3119,7 +3141,7 @@
 </file>
 
 <file path=ppt/slideLayouts/slideLayout12.xml><?xml version="1.0" encoding="utf-8"?>
-<p:sldLayout xmlns:a="http://schemas.openxmlformats.org/drawingml/2006/main" xmlns:r="http://schemas.openxmlformats.org/officeDocument/2006/relationships" xmlns:p="http://schemas.openxmlformats.org/presentationml/2006/main" preserve="1" showMasterSp="0">
+<p:sldLayout xmlns:a="http://schemas.openxmlformats.org/drawingml/2006/main" xmlns:r="http://schemas.openxmlformats.org/officeDocument/2006/relationships" xmlns:p="http://schemas.openxmlformats.org/presentationml/2006/main" showMasterSp="0" preserve="1">
   <p:cSld name="Quote with Caption">
     <p:spTree>
       <p:nvGrpSpPr>
@@ -3921,16 +3943,6 @@
               </a:rPr>
               <a:t>“</a:t>
             </a:r>
-            <a:endParaRPr lang="en-US" sz="9600" b="0" i="0" dirty="0">
-              <a:solidFill>
-                <a:schemeClr val="accent1">
-                  <a:lumMod val="60000"/>
-                  <a:lumOff val="40000"/>
-                </a:schemeClr>
-              </a:solidFill>
-              <a:latin typeface="Arial" panose="020B0604020202020204"/>
-              <a:cs typeface="Arial" panose="020B0604020202020204"/>
-            </a:endParaRPr>
           </a:p>
         </p:txBody>
       </p:sp>
@@ -3970,16 +3982,6 @@
               </a:rPr>
               <a:t>”</a:t>
             </a:r>
-            <a:endParaRPr lang="en-US" sz="9600" b="0" i="0" dirty="0">
-              <a:solidFill>
-                <a:schemeClr val="accent1">
-                  <a:lumMod val="60000"/>
-                  <a:lumOff val="40000"/>
-                </a:schemeClr>
-              </a:solidFill>
-              <a:latin typeface="Arial" panose="020B0604020202020204"/>
-              <a:cs typeface="Arial" panose="020B0604020202020204"/>
-            </a:endParaRPr>
           </a:p>
         </p:txBody>
       </p:sp>
@@ -4088,7 +4090,6 @@
               <a:rPr lang="en-US"/>
               <a:t>Click to edit Master text styles</a:t>
             </a:r>
-            <a:endParaRPr lang="en-US"/>
           </a:p>
         </p:txBody>
       </p:sp>
@@ -4156,7 +4157,6 @@
               <a:rPr lang="en-US"/>
               <a:t>Click to edit Master text styles</a:t>
             </a:r>
-            <a:endParaRPr lang="en-US"/>
           </a:p>
         </p:txBody>
       </p:sp>
@@ -4177,6 +4177,7 @@
           <a:p>
             <a:fld id="{4509A250-FF31-4206-8172-F9D3106AACB1}" type="datetimeFigureOut">
               <a:rPr lang="en-US" smtClean="0"/>
+              <a:t>5/2/2022</a:t>
             </a:fld>
             <a:endParaRPr lang="en-US" dirty="0"/>
           </a:p>
@@ -4254,6 +4255,7 @@
           <a:p>
             <a:fld id="{D57F1E4F-1CFF-5643-939E-02111984F565}" type="slidenum">
               <a:rPr lang="en-US" smtClean="0"/>
+              <a:t>‹#›</a:t>
             </a:fld>
             <a:endParaRPr lang="en-US" dirty="0"/>
           </a:p>
@@ -4268,7 +4270,7 @@
 </file>
 
 <file path=ppt/slideLayouts/slideLayout13.xml><?xml version="1.0" encoding="utf-8"?>
-<p:sldLayout xmlns:a="http://schemas.openxmlformats.org/drawingml/2006/main" xmlns:r="http://schemas.openxmlformats.org/officeDocument/2006/relationships" xmlns:p="http://schemas.openxmlformats.org/presentationml/2006/main" preserve="1" showMasterSp="0">
+<p:sldLayout xmlns:a="http://schemas.openxmlformats.org/drawingml/2006/main" xmlns:r="http://schemas.openxmlformats.org/officeDocument/2006/relationships" xmlns:p="http://schemas.openxmlformats.org/presentationml/2006/main" showMasterSp="0" preserve="1">
   <p:cSld name="Name Card">
     <p:spTree>
       <p:nvGrpSpPr>
@@ -5183,7 +5185,6 @@
               <a:rPr lang="en-US"/>
               <a:t>Click to edit Master text styles</a:t>
             </a:r>
-            <a:endParaRPr lang="en-US"/>
           </a:p>
         </p:txBody>
       </p:sp>
@@ -5204,6 +5205,7 @@
           <a:p>
             <a:fld id="{4509A250-FF31-4206-8172-F9D3106AACB1}" type="datetimeFigureOut">
               <a:rPr lang="en-US" smtClean="0"/>
+              <a:t>5/2/2022</a:t>
             </a:fld>
             <a:endParaRPr lang="en-US" dirty="0"/>
           </a:p>
@@ -5281,6 +5283,7 @@
           <a:p>
             <a:fld id="{D57F1E4F-1CFF-5643-939E-02111984F565}" type="slidenum">
               <a:rPr lang="en-US" smtClean="0"/>
+              <a:t>‹#›</a:t>
             </a:fld>
             <a:endParaRPr lang="en-US" dirty="0"/>
           </a:p>
@@ -5414,7 +5417,6 @@
               <a:rPr lang="en-US"/>
               <a:t>Click to edit Master text styles</a:t>
             </a:r>
-            <a:endParaRPr lang="en-US"/>
           </a:p>
         </p:txBody>
       </p:sp>
@@ -5482,7 +5484,6 @@
               <a:rPr lang="en-US"/>
               <a:t>Click to edit Master text styles</a:t>
             </a:r>
-            <a:endParaRPr lang="en-US"/>
           </a:p>
         </p:txBody>
       </p:sp>
@@ -5557,7 +5558,6 @@
               <a:rPr lang="en-US"/>
               <a:t>Click to edit Master text styles</a:t>
             </a:r>
-            <a:endParaRPr lang="en-US"/>
           </a:p>
         </p:txBody>
       </p:sp>
@@ -5625,7 +5625,6 @@
               <a:rPr lang="en-US"/>
               <a:t>Click to edit Master text styles</a:t>
             </a:r>
-            <a:endParaRPr lang="en-US"/>
           </a:p>
         </p:txBody>
       </p:sp>
@@ -5700,7 +5699,6 @@
               <a:rPr lang="en-US"/>
               <a:t>Click to edit Master text styles</a:t>
             </a:r>
-            <a:endParaRPr lang="en-US"/>
           </a:p>
         </p:txBody>
       </p:sp>
@@ -5768,7 +5766,6 @@
               <a:rPr lang="en-US"/>
               <a:t>Click to edit Master text styles</a:t>
             </a:r>
-            <a:endParaRPr lang="en-US"/>
           </a:p>
         </p:txBody>
       </p:sp>
@@ -5863,6 +5860,7 @@
           <a:p>
             <a:fld id="{4509A250-FF31-4206-8172-F9D3106AACB1}" type="datetimeFigureOut">
               <a:rPr lang="en-US" smtClean="0"/>
+              <a:t>5/2/2022</a:t>
             </a:fld>
             <a:endParaRPr lang="en-US" dirty="0"/>
           </a:p>
@@ -5904,6 +5902,7 @@
           <a:p>
             <a:fld id="{D57F1E4F-1CFF-5643-939E-02111984F565}" type="slidenum">
               <a:rPr lang="en-US" smtClean="0"/>
+              <a:t>‹#›</a:t>
             </a:fld>
             <a:endParaRPr lang="en-US" dirty="0"/>
           </a:p>
@@ -6037,7 +6036,6 @@
               <a:rPr lang="en-US"/>
               <a:t>Click to edit Master text styles</a:t>
             </a:r>
-            <a:endParaRPr lang="en-US"/>
           </a:p>
         </p:txBody>
       </p:sp>
@@ -6184,7 +6182,6 @@
               <a:rPr lang="en-US"/>
               <a:t>Click to edit Master text styles</a:t>
             </a:r>
-            <a:endParaRPr lang="en-US"/>
           </a:p>
         </p:txBody>
       </p:sp>
@@ -6259,7 +6256,6 @@
               <a:rPr lang="en-US"/>
               <a:t>Click to edit Master text styles</a:t>
             </a:r>
-            <a:endParaRPr lang="en-US"/>
           </a:p>
         </p:txBody>
       </p:sp>
@@ -6406,7 +6402,6 @@
               <a:rPr lang="en-US"/>
               <a:t>Click to edit Master text styles</a:t>
             </a:r>
-            <a:endParaRPr lang="en-US"/>
           </a:p>
         </p:txBody>
       </p:sp>
@@ -6481,7 +6476,6 @@
               <a:rPr lang="en-US"/>
               <a:t>Click to edit Master text styles</a:t>
             </a:r>
-            <a:endParaRPr lang="en-US"/>
           </a:p>
         </p:txBody>
       </p:sp>
@@ -6628,7 +6622,6 @@
               <a:rPr lang="en-US"/>
               <a:t>Click to edit Master text styles</a:t>
             </a:r>
-            <a:endParaRPr lang="en-US"/>
           </a:p>
         </p:txBody>
       </p:sp>
@@ -6723,6 +6716,7 @@
           <a:p>
             <a:fld id="{4509A250-FF31-4206-8172-F9D3106AACB1}" type="datetimeFigureOut">
               <a:rPr lang="en-US" smtClean="0"/>
+              <a:t>5/2/2022</a:t>
             </a:fld>
             <a:endParaRPr lang="en-US" dirty="0"/>
           </a:p>
@@ -6769,6 +6763,7 @@
           <a:p>
             <a:fld id="{D57F1E4F-1CFF-5643-939E-02111984F565}" type="slidenum">
               <a:rPr lang="en-US" smtClean="0"/>
+              <a:t>‹#›</a:t>
             </a:fld>
             <a:endParaRPr lang="en-US" dirty="0"/>
           </a:p>
@@ -6852,7 +6847,6 @@
               <a:rPr lang="en-US"/>
               <a:t>Click to edit Master text styles</a:t>
             </a:r>
-            <a:endParaRPr lang="en-US"/>
           </a:p>
           <a:p>
             <a:pPr lvl="1"/>
@@ -6860,7 +6854,6 @@
               <a:rPr lang="en-US"/>
               <a:t>Second level</a:t>
             </a:r>
-            <a:endParaRPr lang="en-US"/>
           </a:p>
           <a:p>
             <a:pPr lvl="2"/>
@@ -6868,7 +6861,6 @@
               <a:rPr lang="en-US"/>
               <a:t>Third level</a:t>
             </a:r>
-            <a:endParaRPr lang="en-US"/>
           </a:p>
           <a:p>
             <a:pPr lvl="3"/>
@@ -6876,7 +6868,6 @@
               <a:rPr lang="en-US"/>
               <a:t>Fourth level</a:t>
             </a:r>
-            <a:endParaRPr lang="en-US"/>
           </a:p>
           <a:p>
             <a:pPr lvl="4"/>
@@ -6910,6 +6901,7 @@
           <a:p>
             <a:fld id="{4509A250-FF31-4206-8172-F9D3106AACB1}" type="datetimeFigureOut">
               <a:rPr lang="en-US" smtClean="0"/>
+              <a:t>5/2/2022</a:t>
             </a:fld>
             <a:endParaRPr lang="en-US" dirty="0"/>
           </a:p>
@@ -6951,6 +6943,7 @@
           <a:p>
             <a:fld id="{D57F1E4F-1CFF-5643-939E-02111984F565}" type="slidenum">
               <a:rPr lang="en-US" smtClean="0"/>
+              <a:t>‹#›</a:t>
             </a:fld>
             <a:endParaRPr lang="en-US" dirty="0"/>
           </a:p>
@@ -6965,7 +6958,7 @@
 </file>
 
 <file path=ppt/slideLayouts/slideLayout17.xml><?xml version="1.0" encoding="utf-8"?>
-<p:sldLayout xmlns:a="http://schemas.openxmlformats.org/drawingml/2006/main" xmlns:r="http://schemas.openxmlformats.org/officeDocument/2006/relationships" xmlns:p="http://schemas.openxmlformats.org/presentationml/2006/main" type="vertTitleAndTx" preserve="1" showMasterSp="0">
+<p:sldLayout xmlns:a="http://schemas.openxmlformats.org/drawingml/2006/main" xmlns:r="http://schemas.openxmlformats.org/officeDocument/2006/relationships" xmlns:p="http://schemas.openxmlformats.org/presentationml/2006/main" showMasterSp="0" type="vertTitleAndTx" preserve="1">
   <p:cSld name="Vertical Title and Text">
     <p:spTree>
       <p:nvGrpSpPr>
@@ -7821,7 +7814,6 @@
               <a:rPr lang="en-US"/>
               <a:t>Click to edit Master text styles</a:t>
             </a:r>
-            <a:endParaRPr lang="en-US"/>
           </a:p>
           <a:p>
             <a:pPr lvl="1"/>
@@ -7829,7 +7821,6 @@
               <a:rPr lang="en-US"/>
               <a:t>Second level</a:t>
             </a:r>
-            <a:endParaRPr lang="en-US"/>
           </a:p>
           <a:p>
             <a:pPr lvl="2"/>
@@ -7837,7 +7828,6 @@
               <a:rPr lang="en-US"/>
               <a:t>Third level</a:t>
             </a:r>
-            <a:endParaRPr lang="en-US"/>
           </a:p>
           <a:p>
             <a:pPr lvl="3"/>
@@ -7845,7 +7835,6 @@
               <a:rPr lang="en-US"/>
               <a:t>Fourth level</a:t>
             </a:r>
-            <a:endParaRPr lang="en-US"/>
           </a:p>
           <a:p>
             <a:pPr lvl="4"/>
@@ -7879,6 +7868,7 @@
           <a:p>
             <a:fld id="{4509A250-FF31-4206-8172-F9D3106AACB1}" type="datetimeFigureOut">
               <a:rPr lang="en-US" smtClean="0"/>
+              <a:t>5/2/2022</a:t>
             </a:fld>
             <a:endParaRPr lang="en-US" dirty="0"/>
           </a:p>
@@ -7956,6 +7946,7 @@
           <a:p>
             <a:fld id="{D57F1E4F-1CFF-5643-939E-02111984F565}" type="slidenum">
               <a:rPr lang="en-US" smtClean="0"/>
+              <a:t>‹#›</a:t>
             </a:fld>
             <a:endParaRPr lang="en-US" dirty="0"/>
           </a:p>
@@ -8034,7 +8025,6 @@
               <a:rPr lang="en-US"/>
               <a:t>Click to edit Master text styles</a:t>
             </a:r>
-            <a:endParaRPr lang="en-US"/>
           </a:p>
           <a:p>
             <a:pPr lvl="1"/>
@@ -8042,7 +8032,6 @@
               <a:rPr lang="en-US"/>
               <a:t>Second level</a:t>
             </a:r>
-            <a:endParaRPr lang="en-US"/>
           </a:p>
           <a:p>
             <a:pPr lvl="2"/>
@@ -8050,7 +8039,6 @@
               <a:rPr lang="en-US"/>
               <a:t>Third level</a:t>
             </a:r>
-            <a:endParaRPr lang="en-US"/>
           </a:p>
           <a:p>
             <a:pPr lvl="3"/>
@@ -8058,7 +8046,6 @@
               <a:rPr lang="en-US"/>
               <a:t>Fourth level</a:t>
             </a:r>
-            <a:endParaRPr lang="en-US"/>
           </a:p>
           <a:p>
             <a:pPr lvl="4"/>
@@ -8087,6 +8074,7 @@
           <a:p>
             <a:fld id="{4509A250-FF31-4206-8172-F9D3106AACB1}" type="datetimeFigureOut">
               <a:rPr lang="en-US" smtClean="0"/>
+              <a:t>5/2/2022</a:t>
             </a:fld>
             <a:endParaRPr lang="en-US" dirty="0"/>
           </a:p>
@@ -8128,6 +8116,7 @@
           <a:p>
             <a:fld id="{D57F1E4F-1CFF-5643-939E-02111984F565}" type="slidenum">
               <a:rPr lang="en-US" smtClean="0"/>
+              <a:t>‹#›</a:t>
             </a:fld>
             <a:endParaRPr lang="en-US" dirty="0"/>
           </a:p>
@@ -8142,7 +8131,7 @@
 </file>
 
 <file path=ppt/slideLayouts/slideLayout3.xml><?xml version="1.0" encoding="utf-8"?>
-<p:sldLayout xmlns:a="http://schemas.openxmlformats.org/drawingml/2006/main" xmlns:r="http://schemas.openxmlformats.org/officeDocument/2006/relationships" xmlns:p="http://schemas.openxmlformats.org/presentationml/2006/main" type="secHead" preserve="1" showMasterSp="0">
+<p:sldLayout xmlns:a="http://schemas.openxmlformats.org/drawingml/2006/main" xmlns:r="http://schemas.openxmlformats.org/officeDocument/2006/relationships" xmlns:p="http://schemas.openxmlformats.org/presentationml/2006/main" showMasterSp="0" type="secHead" preserve="1">
   <p:cSld name="Section Header">
     <p:spTree>
       <p:nvGrpSpPr>
@@ -9094,7 +9083,6 @@
               <a:rPr lang="en-US"/>
               <a:t>Click to edit Master text styles</a:t>
             </a:r>
-            <a:endParaRPr lang="en-US"/>
           </a:p>
         </p:txBody>
       </p:sp>
@@ -9115,6 +9103,7 @@
           <a:p>
             <a:fld id="{4509A250-FF31-4206-8172-F9D3106AACB1}" type="datetimeFigureOut">
               <a:rPr lang="en-US" smtClean="0"/>
+              <a:t>5/2/2022</a:t>
             </a:fld>
             <a:endParaRPr lang="en-US" dirty="0"/>
           </a:p>
@@ -9192,6 +9181,7 @@
           <a:p>
             <a:fld id="{D57F1E4F-1CFF-5643-939E-02111984F565}" type="slidenum">
               <a:rPr lang="en-US" smtClean="0"/>
+              <a:t>‹#›</a:t>
             </a:fld>
             <a:endParaRPr lang="en-US" dirty="0"/>
           </a:p>
@@ -9272,7 +9262,6 @@
               <a:rPr lang="en-US"/>
               <a:t>Click to edit Master text styles</a:t>
             </a:r>
-            <a:endParaRPr lang="en-US"/>
           </a:p>
           <a:p>
             <a:pPr lvl="1"/>
@@ -9280,7 +9269,6 @@
               <a:rPr lang="en-US"/>
               <a:t>Second level</a:t>
             </a:r>
-            <a:endParaRPr lang="en-US"/>
           </a:p>
           <a:p>
             <a:pPr lvl="2"/>
@@ -9288,7 +9276,6 @@
               <a:rPr lang="en-US"/>
               <a:t>Third level</a:t>
             </a:r>
-            <a:endParaRPr lang="en-US"/>
           </a:p>
           <a:p>
             <a:pPr lvl="3"/>
@@ -9296,7 +9283,6 @@
               <a:rPr lang="en-US"/>
               <a:t>Fourth level</a:t>
             </a:r>
-            <a:endParaRPr lang="en-US"/>
           </a:p>
           <a:p>
             <a:pPr lvl="4"/>
@@ -9335,7 +9321,6 @@
               <a:rPr lang="en-US"/>
               <a:t>Click to edit Master text styles</a:t>
             </a:r>
-            <a:endParaRPr lang="en-US"/>
           </a:p>
           <a:p>
             <a:pPr lvl="1"/>
@@ -9343,7 +9328,6 @@
               <a:rPr lang="en-US"/>
               <a:t>Second level</a:t>
             </a:r>
-            <a:endParaRPr lang="en-US"/>
           </a:p>
           <a:p>
             <a:pPr lvl="2"/>
@@ -9351,7 +9335,6 @@
               <a:rPr lang="en-US"/>
               <a:t>Third level</a:t>
             </a:r>
-            <a:endParaRPr lang="en-US"/>
           </a:p>
           <a:p>
             <a:pPr lvl="3"/>
@@ -9359,7 +9342,6 @@
               <a:rPr lang="en-US"/>
               <a:t>Fourth level</a:t>
             </a:r>
-            <a:endParaRPr lang="en-US"/>
           </a:p>
           <a:p>
             <a:pPr lvl="4"/>
@@ -9388,6 +9370,7 @@
           <a:p>
             <a:fld id="{4509A250-FF31-4206-8172-F9D3106AACB1}" type="datetimeFigureOut">
               <a:rPr lang="en-US" smtClean="0"/>
+              <a:t>5/2/2022</a:t>
             </a:fld>
             <a:endParaRPr lang="en-US" dirty="0"/>
           </a:p>
@@ -9429,6 +9412,7 @@
           <a:p>
             <a:fld id="{D57F1E4F-1CFF-5643-939E-02111984F565}" type="slidenum">
               <a:rPr lang="en-US" smtClean="0"/>
+              <a:t>‹#›</a:t>
             </a:fld>
             <a:endParaRPr lang="en-US" dirty="0"/>
           </a:p>
@@ -9554,7 +9538,6 @@
               <a:rPr lang="en-US"/>
               <a:t>Click to edit Master text styles</a:t>
             </a:r>
-            <a:endParaRPr lang="en-US"/>
           </a:p>
         </p:txBody>
       </p:sp>
@@ -9585,7 +9568,6 @@
               <a:rPr lang="en-US"/>
               <a:t>Click to edit Master text styles</a:t>
             </a:r>
-            <a:endParaRPr lang="en-US"/>
           </a:p>
           <a:p>
             <a:pPr lvl="1"/>
@@ -9593,7 +9575,6 @@
               <a:rPr lang="en-US"/>
               <a:t>Second level</a:t>
             </a:r>
-            <a:endParaRPr lang="en-US"/>
           </a:p>
           <a:p>
             <a:pPr lvl="2"/>
@@ -9601,7 +9582,6 @@
               <a:rPr lang="en-US"/>
               <a:t>Third level</a:t>
             </a:r>
-            <a:endParaRPr lang="en-US"/>
           </a:p>
           <a:p>
             <a:pPr lvl="3"/>
@@ -9609,7 +9589,6 @@
               <a:rPr lang="en-US"/>
               <a:t>Fourth level</a:t>
             </a:r>
-            <a:endParaRPr lang="en-US"/>
           </a:p>
           <a:p>
             <a:pPr lvl="4"/>
@@ -9689,7 +9668,6 @@
               <a:rPr lang="en-US"/>
               <a:t>Click to edit Master text styles</a:t>
             </a:r>
-            <a:endParaRPr lang="en-US"/>
           </a:p>
         </p:txBody>
       </p:sp>
@@ -9748,7 +9726,6 @@
               <a:rPr lang="en-US"/>
               <a:t>Click to edit Master text styles</a:t>
             </a:r>
-            <a:endParaRPr lang="en-US"/>
           </a:p>
           <a:p>
             <a:pPr lvl="1"/>
@@ -9756,7 +9733,6 @@
               <a:rPr lang="en-US"/>
               <a:t>Second level</a:t>
             </a:r>
-            <a:endParaRPr lang="en-US"/>
           </a:p>
           <a:p>
             <a:pPr lvl="2"/>
@@ -9764,7 +9740,6 @@
               <a:rPr lang="en-US"/>
               <a:t>Third level</a:t>
             </a:r>
-            <a:endParaRPr lang="en-US"/>
           </a:p>
           <a:p>
             <a:pPr lvl="3"/>
@@ -9772,7 +9747,6 @@
               <a:rPr lang="en-US"/>
               <a:t>Fourth level</a:t>
             </a:r>
-            <a:endParaRPr lang="en-US"/>
           </a:p>
           <a:p>
             <a:pPr lvl="4"/>
@@ -9801,6 +9775,7 @@
           <a:p>
             <a:fld id="{4509A250-FF31-4206-8172-F9D3106AACB1}" type="datetimeFigureOut">
               <a:rPr lang="en-US" smtClean="0"/>
+              <a:t>5/2/2022</a:t>
             </a:fld>
             <a:endParaRPr lang="en-US" dirty="0"/>
           </a:p>
@@ -9842,6 +9817,7 @@
           <a:p>
             <a:fld id="{D57F1E4F-1CFF-5643-939E-02111984F565}" type="slidenum">
               <a:rPr lang="en-US" smtClean="0"/>
+              <a:t>‹#›</a:t>
             </a:fld>
             <a:endParaRPr lang="en-US" dirty="0"/>
           </a:p>
@@ -9921,6 +9897,7 @@
           <a:p>
             <a:fld id="{4509A250-FF31-4206-8172-F9D3106AACB1}" type="datetimeFigureOut">
               <a:rPr lang="en-US" smtClean="0"/>
+              <a:t>5/2/2022</a:t>
             </a:fld>
             <a:endParaRPr lang="en-US" dirty="0"/>
           </a:p>
@@ -9962,6 +9939,7 @@
           <a:p>
             <a:fld id="{D57F1E4F-1CFF-5643-939E-02111984F565}" type="slidenum">
               <a:rPr lang="en-US" smtClean="0"/>
+              <a:t>‹#›</a:t>
             </a:fld>
             <a:endParaRPr lang="en-US" dirty="0"/>
           </a:p>
@@ -9976,7 +9954,7 @@
 </file>
 
 <file path=ppt/slideLayouts/slideLayout7.xml><?xml version="1.0" encoding="utf-8"?>
-<p:sldLayout xmlns:a="http://schemas.openxmlformats.org/drawingml/2006/main" xmlns:r="http://schemas.openxmlformats.org/officeDocument/2006/relationships" xmlns:p="http://schemas.openxmlformats.org/presentationml/2006/main" type="blank" preserve="1" showMasterSp="0">
+<p:sldLayout xmlns:a="http://schemas.openxmlformats.org/drawingml/2006/main" xmlns:r="http://schemas.openxmlformats.org/officeDocument/2006/relationships" xmlns:p="http://schemas.openxmlformats.org/presentationml/2006/main" showMasterSp="0" type="blank" preserve="1">
   <p:cSld name="Blank">
     <p:spTree>
       <p:nvGrpSpPr>
@@ -10009,6 +9987,7 @@
           <a:p>
             <a:fld id="{4509A250-FF31-4206-8172-F9D3106AACB1}" type="datetimeFigureOut">
               <a:rPr lang="en-US" smtClean="0"/>
+              <a:t>5/2/2022</a:t>
             </a:fld>
             <a:endParaRPr lang="en-US" dirty="0"/>
           </a:p>
@@ -10086,6 +10065,7 @@
           <a:p>
             <a:fld id="{D57F1E4F-1CFF-5643-939E-02111984F565}" type="slidenum">
               <a:rPr lang="en-US" smtClean="0"/>
+              <a:t>‹#›</a:t>
             </a:fld>
             <a:endParaRPr lang="en-US" dirty="0"/>
           </a:p>
@@ -10100,7 +10080,7 @@
 </file>
 
 <file path=ppt/slideLayouts/slideLayout8.xml><?xml version="1.0" encoding="utf-8"?>
-<p:sldLayout xmlns:a="http://schemas.openxmlformats.org/drawingml/2006/main" xmlns:r="http://schemas.openxmlformats.org/officeDocument/2006/relationships" xmlns:p="http://schemas.openxmlformats.org/presentationml/2006/main" type="objTx" preserve="1" showMasterSp="0">
+<p:sldLayout xmlns:a="http://schemas.openxmlformats.org/drawingml/2006/main" xmlns:r="http://schemas.openxmlformats.org/officeDocument/2006/relationships" xmlns:p="http://schemas.openxmlformats.org/presentationml/2006/main" showMasterSp="0" type="objTx" preserve="1">
   <p:cSld name="Content with Caption">
     <p:spTree>
       <p:nvGrpSpPr>
@@ -10962,7 +10942,6 @@
               <a:rPr lang="en-US"/>
               <a:t>Click to edit Master text styles</a:t>
             </a:r>
-            <a:endParaRPr lang="en-US"/>
           </a:p>
           <a:p>
             <a:pPr lvl="1"/>
@@ -10970,7 +10949,6 @@
               <a:rPr lang="en-US"/>
               <a:t>Second level</a:t>
             </a:r>
-            <a:endParaRPr lang="en-US"/>
           </a:p>
           <a:p>
             <a:pPr lvl="2"/>
@@ -10978,7 +10956,6 @@
               <a:rPr lang="en-US"/>
               <a:t>Third level</a:t>
             </a:r>
-            <a:endParaRPr lang="en-US"/>
           </a:p>
           <a:p>
             <a:pPr lvl="3"/>
@@ -10986,7 +10963,6 @@
               <a:rPr lang="en-US"/>
               <a:t>Fourth level</a:t>
             </a:r>
-            <a:endParaRPr lang="en-US"/>
           </a:p>
           <a:p>
             <a:pPr lvl="4"/>
@@ -11067,7 +11043,6 @@
               <a:rPr lang="en-US"/>
               <a:t>Click to edit Master text styles</a:t>
             </a:r>
-            <a:endParaRPr lang="en-US"/>
           </a:p>
         </p:txBody>
       </p:sp>
@@ -11088,6 +11063,7 @@
           <a:p>
             <a:fld id="{4509A250-FF31-4206-8172-F9D3106AACB1}" type="datetimeFigureOut">
               <a:rPr lang="en-US" smtClean="0"/>
+              <a:t>5/2/2022</a:t>
             </a:fld>
             <a:endParaRPr lang="en-US" dirty="0"/>
           </a:p>
@@ -11165,6 +11141,7 @@
           <a:p>
             <a:fld id="{D57F1E4F-1CFF-5643-939E-02111984F565}" type="slidenum">
               <a:rPr lang="en-US" smtClean="0"/>
+              <a:t>‹#›</a:t>
             </a:fld>
             <a:endParaRPr lang="en-US" dirty="0"/>
           </a:p>
@@ -11179,7 +11156,7 @@
 </file>
 
 <file path=ppt/slideLayouts/slideLayout9.xml><?xml version="1.0" encoding="utf-8"?>
-<p:sldLayout xmlns:a="http://schemas.openxmlformats.org/drawingml/2006/main" xmlns:r="http://schemas.openxmlformats.org/officeDocument/2006/relationships" xmlns:p="http://schemas.openxmlformats.org/presentationml/2006/main" type="picTx" preserve="1" showMasterSp="0">
+<p:sldLayout xmlns:a="http://schemas.openxmlformats.org/drawingml/2006/main" xmlns:r="http://schemas.openxmlformats.org/officeDocument/2006/relationships" xmlns:p="http://schemas.openxmlformats.org/presentationml/2006/main" showMasterSp="0" type="picTx" preserve="1">
   <p:cSld name="Picture with Caption">
     <p:spTree>
       <p:nvGrpSpPr>
@@ -12169,7 +12146,6 @@
               <a:rPr lang="en-US"/>
               <a:t>Click to edit Master text styles</a:t>
             </a:r>
-            <a:endParaRPr lang="en-US"/>
           </a:p>
         </p:txBody>
       </p:sp>
@@ -12190,6 +12166,7 @@
           <a:p>
             <a:fld id="{4509A250-FF31-4206-8172-F9D3106AACB1}" type="datetimeFigureOut">
               <a:rPr lang="en-US" smtClean="0"/>
+              <a:t>5/2/2022</a:t>
             </a:fld>
             <a:endParaRPr lang="en-US" dirty="0"/>
           </a:p>
@@ -12267,6 +12244,7 @@
           <a:p>
             <a:fld id="{D57F1E4F-1CFF-5643-939E-02111984F565}" type="slidenum">
               <a:rPr lang="en-US" smtClean="0"/>
+              <a:t>‹#›</a:t>
             </a:fld>
             <a:endParaRPr lang="en-US" dirty="0"/>
           </a:p>
@@ -12331,7 +12309,7 @@
               <a:avLst/>
             </a:prstGeom>
             <a:blipFill>
-              <a:blip r:embed="rId18">
+              <a:blip r:embed="rId19">
                 <a:duotone>
                   <a:schemeClr val="dk2">
                     <a:shade val="69000"/>
@@ -13115,7 +13093,6 @@
               <a:rPr lang="en-US"/>
               <a:t>Click to edit Master text styles</a:t>
             </a:r>
-            <a:endParaRPr lang="en-US"/>
           </a:p>
           <a:p>
             <a:pPr lvl="1"/>
@@ -13123,7 +13100,6 @@
               <a:rPr lang="en-US"/>
               <a:t>Second level</a:t>
             </a:r>
-            <a:endParaRPr lang="en-US"/>
           </a:p>
           <a:p>
             <a:pPr lvl="2"/>
@@ -13131,7 +13107,6 @@
               <a:rPr lang="en-US"/>
               <a:t>Third level</a:t>
             </a:r>
-            <a:endParaRPr lang="en-US"/>
           </a:p>
           <a:p>
             <a:pPr lvl="3"/>
@@ -13139,7 +13114,6 @@
               <a:rPr lang="en-US"/>
               <a:t>Fourth level</a:t>
             </a:r>
-            <a:endParaRPr lang="en-US"/>
           </a:p>
           <a:p>
             <a:pPr lvl="4"/>
@@ -13184,6 +13158,7 @@
           <a:p>
             <a:fld id="{4509A250-FF31-4206-8172-F9D3106AACB1}" type="datetimeFigureOut">
               <a:rPr lang="en-US" smtClean="0"/>
+              <a:t>5/2/2022</a:t>
             </a:fld>
             <a:endParaRPr lang="en-US" dirty="0"/>
           </a:p>
@@ -13293,6 +13268,7 @@
           <a:p>
             <a:fld id="{D57F1E4F-1CFF-5643-939E-02111984F565}" type="slidenum">
               <a:rPr lang="en-US" smtClean="0"/>
+              <a:t>‹#›</a:t>
             </a:fld>
             <a:endParaRPr lang="en-US" dirty="0"/>
           </a:p>
@@ -13781,6 +13757,18 @@
               </a:rPr>
               <a:t>SELF DRIVING CARS USING CNN</a:t>
             </a:r>
+            <a:r>
+              <a:rPr lang="en-US" sz="3200" dirty="0">
+                <a:solidFill>
+                  <a:srgbClr val="00B050"/>
+                </a:solidFill>
+                <a:latin typeface="Times New Roman" panose="02020603050405020304"/>
+                <a:ea typeface="Times New Roman" panose="02020603050405020304"/>
+                <a:cs typeface="Times New Roman" panose="02020603050405020304"/>
+                <a:sym typeface="Times New Roman" panose="02020603050405020304"/>
+              </a:rPr>
+              <a:t/>
+            </a:r>
             <a:br>
               <a:rPr lang="en-US" sz="3200" dirty="0">
                 <a:solidFill>
@@ -13792,6 +13780,18 @@
                 <a:sym typeface="Times New Roman" panose="02020603050405020304"/>
               </a:rPr>
             </a:br>
+            <a:r>
+              <a:rPr lang="en-US" sz="3200" dirty="0">
+                <a:solidFill>
+                  <a:srgbClr val="00B050"/>
+                </a:solidFill>
+                <a:latin typeface="Times New Roman" panose="02020603050405020304"/>
+                <a:ea typeface="Times New Roman" panose="02020603050405020304"/>
+                <a:cs typeface="Times New Roman" panose="02020603050405020304"/>
+                <a:sym typeface="Times New Roman" panose="02020603050405020304"/>
+              </a:rPr>
+              <a:t/>
+            </a:r>
             <a:br>
               <a:rPr lang="en-US" sz="3200" dirty="0">
                 <a:solidFill>
@@ -13869,6 +13869,8 @@
               </a:rPr>
               <a:t>							           Sravani Niharika Garapati (16328843)</a:t>
             </a:r>
+          </a:p>
+          <a:p>
             <a:endParaRPr lang="en-IN" dirty="0">
               <a:solidFill>
                 <a:schemeClr val="accent4">
@@ -13881,6 +13883,73 @@
             </a:endParaRPr>
           </a:p>
           <a:p>
+            <a:r>
+              <a:rPr lang="en-IN" dirty="0">
+                <a:solidFill>
+                  <a:schemeClr val="accent4">
+                    <a:lumMod val="60000"/>
+                    <a:lumOff val="40000"/>
+                  </a:schemeClr>
+                </a:solidFill>
+                <a:latin typeface="Times New Roman" panose="02020603050405020304" pitchFamily="18" charset="0"/>
+                <a:cs typeface="Times New Roman" panose="02020603050405020304" pitchFamily="18" charset="0"/>
+              </a:rPr>
+              <a:t>								   </a:t>
+            </a:r>
+            <a:r>
+              <a:rPr lang="en-IN" dirty="0" err="1">
+                <a:solidFill>
+                  <a:schemeClr val="accent4">
+                    <a:lumMod val="60000"/>
+                    <a:lumOff val="40000"/>
+                  </a:schemeClr>
+                </a:solidFill>
+                <a:latin typeface="Times New Roman" panose="02020603050405020304" pitchFamily="18" charset="0"/>
+                <a:cs typeface="Times New Roman" panose="02020603050405020304" pitchFamily="18" charset="0"/>
+              </a:rPr>
+              <a:t>Nikhila</a:t>
+            </a:r>
+            <a:r>
+              <a:rPr lang="en-IN" dirty="0">
+                <a:solidFill>
+                  <a:schemeClr val="accent4">
+                    <a:lumMod val="60000"/>
+                    <a:lumOff val="40000"/>
+                  </a:schemeClr>
+                </a:solidFill>
+                <a:latin typeface="Times New Roman" panose="02020603050405020304" pitchFamily="18" charset="0"/>
+                <a:cs typeface="Times New Roman" panose="02020603050405020304" pitchFamily="18" charset="0"/>
+              </a:rPr>
+              <a:t> </a:t>
+            </a:r>
+            <a:r>
+              <a:rPr lang="en-IN" dirty="0" err="1">
+                <a:solidFill>
+                  <a:schemeClr val="accent4">
+                    <a:lumMod val="60000"/>
+                    <a:lumOff val="40000"/>
+                  </a:schemeClr>
+                </a:solidFill>
+                <a:latin typeface="Times New Roman" panose="02020603050405020304" pitchFamily="18" charset="0"/>
+                <a:cs typeface="Times New Roman" panose="02020603050405020304" pitchFamily="18" charset="0"/>
+              </a:rPr>
+              <a:t>Chirumamilla</a:t>
+            </a:r>
+            <a:r>
+              <a:rPr lang="en-IN" dirty="0">
+                <a:solidFill>
+                  <a:schemeClr val="accent4">
+                    <a:lumMod val="60000"/>
+                    <a:lumOff val="40000"/>
+                  </a:schemeClr>
+                </a:solidFill>
+                <a:latin typeface="Times New Roman" panose="02020603050405020304" pitchFamily="18" charset="0"/>
+                <a:cs typeface="Times New Roman" panose="02020603050405020304" pitchFamily="18" charset="0"/>
+              </a:rPr>
+              <a:t> (16323180)</a:t>
+            </a:r>
+          </a:p>
+          <a:p>
             <a:endParaRPr lang="en-IN" dirty="0">
               <a:solidFill>
                 <a:schemeClr val="accent4">
@@ -13904,10 +13973,10 @@
                 <a:latin typeface="Times New Roman" panose="02020603050405020304" pitchFamily="18" charset="0"/>
                 <a:cs typeface="Times New Roman" panose="02020603050405020304" pitchFamily="18" charset="0"/>
               </a:rPr>
-              <a:t>								   </a:t>
-            </a:r>
-            <a:r>
-              <a:rPr lang="en-IN" dirty="0" err="1">
+              <a:t>								   Sai Ram Chaganti (</a:t>
+            </a:r>
+            <a:r>
+              <a:rPr lang="en-IN" dirty="0" smtClean="0">
                 <a:solidFill>
                   <a:schemeClr val="accent4">
                     <a:lumMod val="60000"/>
@@ -13917,46 +13986,7 @@
                 <a:latin typeface="Times New Roman" panose="02020603050405020304" pitchFamily="18" charset="0"/>
                 <a:cs typeface="Times New Roman" panose="02020603050405020304" pitchFamily="18" charset="0"/>
               </a:rPr>
-              <a:t>Nikhila</a:t>
-            </a:r>
-            <a:r>
-              <a:rPr lang="en-IN" dirty="0">
-                <a:solidFill>
-                  <a:schemeClr val="accent4">
-                    <a:lumMod val="60000"/>
-                    <a:lumOff val="40000"/>
-                  </a:schemeClr>
-                </a:solidFill>
-                <a:latin typeface="Times New Roman" panose="02020603050405020304" pitchFamily="18" charset="0"/>
-                <a:cs typeface="Times New Roman" panose="02020603050405020304" pitchFamily="18" charset="0"/>
-              </a:rPr>
-              <a:t> </a:t>
-            </a:r>
-            <a:r>
-              <a:rPr lang="en-IN" dirty="0" err="1">
-                <a:solidFill>
-                  <a:schemeClr val="accent4">
-                    <a:lumMod val="60000"/>
-                    <a:lumOff val="40000"/>
-                  </a:schemeClr>
-                </a:solidFill>
-                <a:latin typeface="Times New Roman" panose="02020603050405020304" pitchFamily="18" charset="0"/>
-                <a:cs typeface="Times New Roman" panose="02020603050405020304" pitchFamily="18" charset="0"/>
-              </a:rPr>
-              <a:t>Chirumamilla</a:t>
-            </a:r>
-            <a:r>
-              <a:rPr lang="en-IN" dirty="0">
-                <a:solidFill>
-                  <a:schemeClr val="accent4">
-                    <a:lumMod val="60000"/>
-                    <a:lumOff val="40000"/>
-                  </a:schemeClr>
-                </a:solidFill>
-                <a:latin typeface="Times New Roman" panose="02020603050405020304" pitchFamily="18" charset="0"/>
-                <a:cs typeface="Times New Roman" panose="02020603050405020304" pitchFamily="18" charset="0"/>
-              </a:rPr>
-              <a:t> (16323180)</a:t>
+              <a:t>16327655)</a:t>
             </a:r>
             <a:endParaRPr lang="en-IN" dirty="0">
               <a:solidFill>
@@ -13993,20 +14023,7 @@
                 <a:latin typeface="Times New Roman" panose="02020603050405020304" pitchFamily="18" charset="0"/>
                 <a:cs typeface="Times New Roman" panose="02020603050405020304" pitchFamily="18" charset="0"/>
               </a:rPr>
-              <a:t>								   Sai Ram </a:t>
-            </a:r>
-            <a:r>
-              <a:rPr lang="en-IN" dirty="0" err="1">
-                <a:solidFill>
-                  <a:schemeClr val="accent4">
-                    <a:lumMod val="60000"/>
-                    <a:lumOff val="40000"/>
-                  </a:schemeClr>
-                </a:solidFill>
-                <a:latin typeface="Times New Roman" panose="02020603050405020304" pitchFamily="18" charset="0"/>
-                <a:cs typeface="Times New Roman" panose="02020603050405020304" pitchFamily="18" charset="0"/>
-              </a:rPr>
-              <a:t>Chaganti</a:t>
+              <a:t>                                                                   Shravani </a:t>
             </a:r>
             <a:r>
               <a:rPr lang="en-IN" dirty="0">
@@ -14019,7 +14036,7 @@
                 <a:latin typeface="Times New Roman" panose="02020603050405020304" pitchFamily="18" charset="0"/>
                 <a:cs typeface="Times New Roman" panose="02020603050405020304" pitchFamily="18" charset="0"/>
               </a:rPr>
-              <a:t> (16328843)</a:t>
+              <a:t>Nalla(12576204)</a:t>
             </a:r>
             <a:endParaRPr lang="en-IN" dirty="0">
               <a:solidFill>
@@ -14033,18 +14050,6 @@
             </a:endParaRPr>
           </a:p>
           <a:p>
-            <a:endParaRPr lang="en-IN" dirty="0">
-              <a:solidFill>
-                <a:schemeClr val="accent4">
-                  <a:lumMod val="60000"/>
-                  <a:lumOff val="40000"/>
-                </a:schemeClr>
-              </a:solidFill>
-              <a:latin typeface="Times New Roman" panose="02020603050405020304" pitchFamily="18" charset="0"/>
-              <a:cs typeface="Times New Roman" panose="02020603050405020304" pitchFamily="18" charset="0"/>
-            </a:endParaRPr>
-          </a:p>
-          <a:p>
             <a:r>
               <a:rPr lang="en-IN" dirty="0">
                 <a:solidFill>
@@ -14056,69 +14061,8 @@
                 <a:latin typeface="Times New Roman" panose="02020603050405020304" pitchFamily="18" charset="0"/>
                 <a:cs typeface="Times New Roman" panose="02020603050405020304" pitchFamily="18" charset="0"/>
               </a:rPr>
-              <a:t>                                                                   </a:t>
-            </a:r>
-            <a:r>
-              <a:rPr lang="en-IN" dirty="0" err="1">
-                <a:solidFill>
-                  <a:schemeClr val="accent4">
-                    <a:lumMod val="60000"/>
-                    <a:lumOff val="40000"/>
-                  </a:schemeClr>
-                </a:solidFill>
-                <a:latin typeface="Times New Roman" panose="02020603050405020304" pitchFamily="18" charset="0"/>
-                <a:cs typeface="Times New Roman" panose="02020603050405020304" pitchFamily="18" charset="0"/>
-              </a:rPr>
-              <a:t>Shravani</a:t>
-            </a:r>
-            <a:r>
-              <a:rPr lang="en-IN" dirty="0">
-                <a:solidFill>
-                  <a:schemeClr val="accent4">
-                    <a:lumMod val="60000"/>
-                    <a:lumOff val="40000"/>
-                  </a:schemeClr>
-                </a:solidFill>
-                <a:latin typeface="Times New Roman" panose="02020603050405020304" pitchFamily="18" charset="0"/>
-                <a:cs typeface="Times New Roman" panose="02020603050405020304" pitchFamily="18" charset="0"/>
-              </a:rPr>
-              <a:t> Nalla(16328843)</a:t>
-            </a:r>
-            <a:endParaRPr lang="en-IN" dirty="0">
-              <a:solidFill>
-                <a:schemeClr val="accent4">
-                  <a:lumMod val="60000"/>
-                  <a:lumOff val="40000"/>
-                </a:schemeClr>
-              </a:solidFill>
-              <a:latin typeface="Times New Roman" panose="02020603050405020304" pitchFamily="18" charset="0"/>
-              <a:cs typeface="Times New Roman" panose="02020603050405020304" pitchFamily="18" charset="0"/>
-            </a:endParaRPr>
-          </a:p>
-          <a:p>
-            <a:r>
-              <a:rPr lang="en-IN" dirty="0">
-                <a:solidFill>
-                  <a:schemeClr val="accent4">
-                    <a:lumMod val="60000"/>
-                    <a:lumOff val="40000"/>
-                  </a:schemeClr>
-                </a:solidFill>
-                <a:latin typeface="Times New Roman" panose="02020603050405020304" pitchFamily="18" charset="0"/>
-                <a:cs typeface="Times New Roman" panose="02020603050405020304" pitchFamily="18" charset="0"/>
-              </a:rPr>
               <a:t>								</a:t>
             </a:r>
-            <a:endParaRPr lang="en-IN" dirty="0">
-              <a:solidFill>
-                <a:schemeClr val="accent4">
-                  <a:lumMod val="60000"/>
-                  <a:lumOff val="40000"/>
-                </a:schemeClr>
-              </a:solidFill>
-              <a:latin typeface="Times New Roman" panose="02020603050405020304" pitchFamily="18" charset="0"/>
-              <a:cs typeface="Times New Roman" panose="02020603050405020304" pitchFamily="18" charset="0"/>
-            </a:endParaRPr>
           </a:p>
         </p:txBody>
       </p:sp>
@@ -14131,7 +14075,7 @@
           <p:nvPr/>
         </p:nvPicPr>
         <p:blipFill>
-          <a:blip r:embed="rId1">
+          <a:blip r:embed="rId2">
             <a:extLst>
               <a:ext uri="{28A0092B-C50C-407E-A947-70E740481C1C}">
                 <a14:useLocalDpi xmlns:a14="http://schemas.microsoft.com/office/drawing/2010/main" val="0"/>
@@ -14218,13 +14162,6 @@
               </a:rPr>
               <a:t>Approach: Neural Networks</a:t>
             </a:r>
-            <a:endParaRPr lang="en-US" u="sng" dirty="0">
-              <a:solidFill>
-                <a:srgbClr val="FF0000"/>
-              </a:solidFill>
-              <a:latin typeface="Times New Roman" panose="02020603050405020304" pitchFamily="18" charset="0"/>
-              <a:cs typeface="Times New Roman" panose="02020603050405020304" pitchFamily="18" charset="0"/>
-            </a:endParaRPr>
           </a:p>
         </p:txBody>
       </p:sp>
@@ -14272,11 +14209,6 @@
               </a:rPr>
               <a:t>Neural Networks employ numerical vectors or matrices as input and conduct operations like additions and matrix multiplication, such as matrix multiplication to control the parameters.</a:t>
             </a:r>
-            <a:endParaRPr lang="en-US" sz="1800" dirty="0">
-              <a:effectLst/>
-              <a:latin typeface="Times New Roman" panose="02020603050405020304" pitchFamily="18" charset="0"/>
-              <a:ea typeface="SimSun" panose="02010600030101010101" pitchFamily="2" charset="-122"/>
-            </a:endParaRPr>
           </a:p>
           <a:p>
             <a:pPr marR="0" algn="just">
@@ -14303,11 +14235,6 @@
               </a:rPr>
               <a:t>In order to provide output for the next layer, activation functions require weights, biases, and a specified input. </a:t>
             </a:r>
-            <a:endParaRPr lang="en-US" sz="1800" dirty="0">
-              <a:effectLst/>
-              <a:latin typeface="Times New Roman" panose="02020603050405020304" pitchFamily="18" charset="0"/>
-              <a:ea typeface="SimSun" panose="02010600030101010101" pitchFamily="2" charset="-122"/>
-            </a:endParaRPr>
           </a:p>
           <a:p>
             <a:pPr marR="0" algn="just">
@@ -14334,11 +14261,6 @@
               </a:rPr>
               <a:t>The findings are shown on the output layer, which is the last stage of the pipeline.</a:t>
             </a:r>
-            <a:endParaRPr lang="en-US" sz="1800" dirty="0">
-              <a:effectLst/>
-              <a:latin typeface="Times New Roman" panose="02020603050405020304" pitchFamily="18" charset="0"/>
-              <a:ea typeface="SimSun" panose="02010600030101010101" pitchFamily="2" charset="-122"/>
-            </a:endParaRPr>
           </a:p>
           <a:p>
             <a:pPr marR="0" algn="just">
@@ -14365,11 +14287,6 @@
               </a:rPr>
               <a:t> For each input, the difference between the calculated and intended output is specified by a loss function.</a:t>
             </a:r>
-            <a:endParaRPr lang="en-US" sz="1800" dirty="0">
-              <a:effectLst/>
-              <a:latin typeface="Times New Roman" panose="02020603050405020304" pitchFamily="18" charset="0"/>
-              <a:ea typeface="SimSun" panose="02010600030101010101" pitchFamily="2" charset="-122"/>
-            </a:endParaRPr>
           </a:p>
           <a:p>
             <a:pPr marR="0" algn="just">
@@ -14396,11 +14313,6 @@
               </a:rPr>
               <a:t> The optimizer in a neural network is used to minimize the discrepancy between predicted and actual results. </a:t>
             </a:r>
-            <a:endParaRPr lang="en-US" sz="1800" dirty="0">
-              <a:effectLst/>
-              <a:latin typeface="Times New Roman" panose="02020603050405020304" pitchFamily="18" charset="0"/>
-              <a:ea typeface="SimSun" panose="02010600030101010101" pitchFamily="2" charset="-122"/>
-            </a:endParaRPr>
           </a:p>
           <a:p>
             <a:pPr marR="0" algn="just">
@@ -14427,11 +14339,6 @@
               </a:rPr>
               <a:t>For training, an optimization strategy starts with a random set of weights. </a:t>
             </a:r>
-            <a:endParaRPr lang="en-US" sz="1800" dirty="0">
-              <a:effectLst/>
-              <a:latin typeface="Times New Roman" panose="02020603050405020304" pitchFamily="18" charset="0"/>
-              <a:ea typeface="SimSun" panose="02010600030101010101" pitchFamily="2" charset="-122"/>
-            </a:endParaRPr>
           </a:p>
           <a:p>
             <a:pPr marR="0" algn="just">
@@ -14486,7 +14393,7 @@
           <p:nvPr/>
         </p:nvPicPr>
         <p:blipFill>
-          <a:blip r:embed="rId1"/>
+          <a:blip r:embed="rId2"/>
           <a:srcRect b="10157"/>
           <a:stretch>
             <a:fillRect/>
@@ -14557,13 +14464,6 @@
               </a:rPr>
               <a:t>Architecture</a:t>
             </a:r>
-            <a:endParaRPr lang="en-US" u="sng" dirty="0">
-              <a:solidFill>
-                <a:srgbClr val="FF0000"/>
-              </a:solidFill>
-              <a:latin typeface="Times New Roman" panose="02020603050405020304" pitchFamily="18" charset="0"/>
-              <a:cs typeface="Times New Roman" panose="02020603050405020304" pitchFamily="18" charset="0"/>
-            </a:endParaRPr>
           </a:p>
         </p:txBody>
       </p:sp>
@@ -14585,7 +14485,7 @@
         </p:spPr>
         <p:txBody>
           <a:bodyPr>
-            <a:normAutofit lnSpcReduction="20000"/>
+            <a:normAutofit fontScale="92500"/>
           </a:bodyPr>
           <a:lstStyle/>
           <a:p>
@@ -14636,11 +14536,6 @@
               </a:rPr>
               <a:t>Feed forward neural networks is the  NN architectural type we employed in our tests.</a:t>
             </a:r>
-            <a:endParaRPr lang="en-US" sz="1800" dirty="0">
-              <a:effectLst/>
-              <a:latin typeface="Times New Roman" panose="02020603050405020304" pitchFamily="18" charset="0"/>
-              <a:ea typeface="SimSun" panose="02010600030101010101" pitchFamily="2" charset="-122"/>
-            </a:endParaRPr>
           </a:p>
           <a:p>
             <a:pPr marR="0" algn="just">
@@ -14667,11 +14562,6 @@
               </a:rPr>
               <a:t>First, images with dimensions of 66X200X3 are used as input, followed by five convolution layers with 24, 36, 48, 64, 64 neurons in each, each with a filter size of 5X5 and a 2X2 pixel jump at each filter pass (strides of sizes 2X2), and two final layers with filter sizes of 3X3 but no strides. </a:t>
             </a:r>
-            <a:endParaRPr lang="en-US" sz="1800" dirty="0">
-              <a:effectLst/>
-              <a:latin typeface="Times New Roman" panose="02020603050405020304" pitchFamily="18" charset="0"/>
-              <a:ea typeface="SimSun" panose="02010600030101010101" pitchFamily="2" charset="-122"/>
-            </a:endParaRPr>
           </a:p>
           <a:p>
             <a:pPr marR="0" algn="just">
@@ -14698,11 +14588,6 @@
               </a:rPr>
               <a:t>The final two layers use filter sizes of 3X3 but no strides. Once the convolutional layers have produced their multi-dimensional output, they are followed by a flattening layer. </a:t>
             </a:r>
-            <a:endParaRPr lang="en-US" sz="1800" dirty="0">
-              <a:effectLst/>
-              <a:latin typeface="Times New Roman" panose="02020603050405020304" pitchFamily="18" charset="0"/>
-              <a:ea typeface="SimSun" panose="02010600030101010101" pitchFamily="2" charset="-122"/>
-            </a:endParaRPr>
           </a:p>
           <a:p>
             <a:pPr marR="0" algn="just">
@@ -14728,10 +14613,6 @@
               </a:rPr>
               <a:t>There are 5 layers in total each with 100 neurons</a:t>
             </a:r>
-            <a:endParaRPr lang="en-US" spc="-5" dirty="0">
-              <a:latin typeface="Times New Roman" panose="02020603050405020304" pitchFamily="18" charset="0"/>
-              <a:ea typeface="SimSun" panose="02010600030101010101" pitchFamily="2" charset="-122"/>
-            </a:endParaRPr>
           </a:p>
           <a:p>
             <a:pPr marL="0" marR="0" indent="0" algn="just">
@@ -14819,11 +14700,6 @@
               </a:rPr>
               <a:t>Adam</a:t>
             </a:r>
-            <a:endParaRPr lang="en-US" sz="1800" spc="-5" dirty="0">
-              <a:effectLst/>
-              <a:latin typeface="Times New Roman" panose="02020603050405020304" pitchFamily="18" charset="0"/>
-              <a:ea typeface="SimSun" panose="02010600030101010101" pitchFamily="2" charset="-122"/>
-            </a:endParaRPr>
           </a:p>
           <a:p>
             <a:pPr marL="0" marR="0" indent="0" algn="just">
@@ -14862,10 +14738,6 @@
               </a:rPr>
               <a:t>Sequential</a:t>
             </a:r>
-            <a:endParaRPr lang="en-US" spc="-5" dirty="0">
-              <a:latin typeface="Times New Roman" panose="02020603050405020304" pitchFamily="18" charset="0"/>
-              <a:ea typeface="SimSun" panose="02010600030101010101" pitchFamily="2" charset="-122"/>
-            </a:endParaRPr>
           </a:p>
           <a:p>
             <a:pPr marL="0" indent="0" algn="just">
@@ -14907,11 +14779,6 @@
               </a:rPr>
               <a:t> 200</a:t>
             </a:r>
-            <a:endParaRPr lang="en-US" sz="1800" dirty="0">
-              <a:effectLst/>
-              <a:latin typeface="Times New Roman" panose="02020603050405020304" pitchFamily="18" charset="0"/>
-              <a:ea typeface="SimSun" panose="02010600030101010101" pitchFamily="2" charset="-122"/>
-            </a:endParaRPr>
           </a:p>
           <a:p>
             <a:pPr marL="0" indent="0" algn="just">
@@ -14960,11 +14827,6 @@
               </a:rPr>
               <a:t>10</a:t>
             </a:r>
-            <a:endParaRPr lang="en-US" sz="1800" dirty="0">
-              <a:effectLst/>
-              <a:latin typeface="Times New Roman" panose="02020603050405020304" pitchFamily="18" charset="0"/>
-              <a:ea typeface="SimSun" panose="02010600030101010101" pitchFamily="2" charset="-122"/>
-            </a:endParaRPr>
           </a:p>
           <a:p>
             <a:pPr marL="0" indent="0" algn="just">
@@ -15013,11 +14875,6 @@
               </a:rPr>
               <a:t>300.</a:t>
             </a:r>
-            <a:endParaRPr lang="en-US" sz="1800" dirty="0">
-              <a:effectLst/>
-              <a:latin typeface="Times New Roman" panose="02020603050405020304" pitchFamily="18" charset="0"/>
-              <a:ea typeface="SimSun" panose="02010600030101010101" pitchFamily="2" charset="-122"/>
-            </a:endParaRPr>
           </a:p>
           <a:p>
             <a:pPr marL="0" marR="0" indent="0" algn="just">
@@ -15109,13 +14966,6 @@
               </a:rPr>
               <a:t>Architecture(Contd..)</a:t>
             </a:r>
-            <a:endParaRPr lang="en-US" u="sng" dirty="0">
-              <a:solidFill>
-                <a:srgbClr val="FF0000"/>
-              </a:solidFill>
-              <a:latin typeface="Times New Roman" panose="02020603050405020304" pitchFamily="18" charset="0"/>
-              <a:cs typeface="Times New Roman" panose="02020603050405020304" pitchFamily="18" charset="0"/>
-            </a:endParaRPr>
           </a:p>
         </p:txBody>
       </p:sp>
@@ -15163,11 +15013,6 @@
               </a:rPr>
               <a:t>Consider the below architecture model</a:t>
             </a:r>
-            <a:endParaRPr lang="en-US" sz="1800" spc="-5" dirty="0">
-              <a:effectLst/>
-              <a:latin typeface="Times New Roman" panose="02020603050405020304" pitchFamily="18" charset="0"/>
-              <a:ea typeface="SimSun" panose="02010600030101010101" pitchFamily="2" charset="-122"/>
-            </a:endParaRPr>
           </a:p>
           <a:p>
             <a:pPr algn="l">
@@ -15191,7 +15036,7 @@
           <p:nvPr/>
         </p:nvPicPr>
         <p:blipFill>
-          <a:blip r:embed="rId1"/>
+          <a:blip r:embed="rId2"/>
           <a:stretch>
             <a:fillRect/>
           </a:stretch>
@@ -15261,13 +15106,6 @@
               </a:rPr>
               <a:t>Software Requirements</a:t>
             </a:r>
-            <a:endParaRPr lang="en-US" u="sng" dirty="0">
-              <a:solidFill>
-                <a:srgbClr val="FF0000"/>
-              </a:solidFill>
-              <a:latin typeface="Times New Roman" panose="02020603050405020304" pitchFamily="18" charset="0"/>
-              <a:cs typeface="Times New Roman" panose="02020603050405020304" pitchFamily="18" charset="0"/>
-            </a:endParaRPr>
           </a:p>
         </p:txBody>
       </p:sp>
@@ -15305,11 +15143,6 @@
               </a:rPr>
               <a:t>Simulator</a:t>
             </a:r>
-            <a:endParaRPr lang="en-US" sz="2400" dirty="0">
-              <a:latin typeface="Times New Roman" panose="02020603050405020304" pitchFamily="18" charset="0"/>
-              <a:ea typeface="SimSun" panose="02010600030101010101" pitchFamily="2" charset="-122"/>
-              <a:cs typeface="Times New Roman" panose="02020603050405020304" pitchFamily="18" charset="0"/>
-            </a:endParaRPr>
           </a:p>
           <a:p>
             <a:pPr algn="l">
@@ -15324,11 +15157,6 @@
               </a:rPr>
               <a:t>TensorFlow</a:t>
             </a:r>
-            <a:endParaRPr lang="en-US" sz="2400" dirty="0">
-              <a:latin typeface="Times New Roman" panose="02020603050405020304" pitchFamily="18" charset="0"/>
-              <a:ea typeface="SimSun" panose="02010600030101010101" pitchFamily="2" charset="-122"/>
-              <a:cs typeface="Times New Roman" panose="02020603050405020304" pitchFamily="18" charset="0"/>
-            </a:endParaRPr>
           </a:p>
           <a:p>
             <a:pPr algn="l">
@@ -15381,11 +15209,6 @@
               </a:rPr>
               <a:t>Flask</a:t>
             </a:r>
-            <a:endParaRPr lang="en-US" sz="2400" dirty="0">
-              <a:latin typeface="Times New Roman" panose="02020603050405020304" pitchFamily="18" charset="0"/>
-              <a:ea typeface="SimSun" panose="02010600030101010101" pitchFamily="2" charset="-122"/>
-              <a:cs typeface="Times New Roman" panose="02020603050405020304" pitchFamily="18" charset="0"/>
-            </a:endParaRPr>
           </a:p>
           <a:p>
             <a:pPr algn="l">
@@ -15419,11 +15242,6 @@
               </a:rPr>
               <a:t>Pillow</a:t>
             </a:r>
-            <a:endParaRPr lang="en-US" sz="2400" dirty="0">
-              <a:latin typeface="Times New Roman" panose="02020603050405020304" pitchFamily="18" charset="0"/>
-              <a:ea typeface="SimSun" panose="02010600030101010101" pitchFamily="2" charset="-122"/>
-              <a:cs typeface="Times New Roman" panose="02020603050405020304" pitchFamily="18" charset="0"/>
-            </a:endParaRPr>
           </a:p>
         </p:txBody>
       </p:sp>
@@ -15436,7 +15254,7 @@
           <p:nvPr/>
         </p:nvPicPr>
         <p:blipFill>
-          <a:blip r:embed="rId1">
+          <a:blip r:embed="rId2">
             <a:extLst>
               <a:ext uri="{28A0092B-C50C-407E-A947-70E740481C1C}">
                 <a14:useLocalDpi xmlns:a14="http://schemas.microsoft.com/office/drawing/2010/main" val="0"/>
@@ -15477,7 +15295,7 @@
           <p:nvPr/>
         </p:nvPicPr>
         <p:blipFill>
-          <a:blip r:embed="rId2">
+          <a:blip r:embed="rId3">
             <a:extLst>
               <a:ext uri="{28A0092B-C50C-407E-A947-70E740481C1C}">
                 <a14:useLocalDpi xmlns:a14="http://schemas.microsoft.com/office/drawing/2010/main" val="0"/>
@@ -15518,7 +15336,7 @@
           <p:nvPr/>
         </p:nvPicPr>
         <p:blipFill>
-          <a:blip r:embed="rId3">
+          <a:blip r:embed="rId4">
             <a:extLst>
               <a:ext uri="{28A0092B-C50C-407E-A947-70E740481C1C}">
                 <a14:useLocalDpi xmlns:a14="http://schemas.microsoft.com/office/drawing/2010/main" val="0"/>
@@ -15559,7 +15377,7 @@
           <p:nvPr/>
         </p:nvPicPr>
         <p:blipFill>
-          <a:blip r:embed="rId4">
+          <a:blip r:embed="rId5">
             <a:extLst>
               <a:ext uri="{28A0092B-C50C-407E-A947-70E740481C1C}">
                 <a14:useLocalDpi xmlns:a14="http://schemas.microsoft.com/office/drawing/2010/main" val="0"/>
@@ -15600,7 +15418,7 @@
           <p:nvPr/>
         </p:nvPicPr>
         <p:blipFill>
-          <a:blip r:embed="rId5">
+          <a:blip r:embed="rId6">
             <a:extLst>
               <a:ext uri="{28A0092B-C50C-407E-A947-70E740481C1C}">
                 <a14:useLocalDpi xmlns:a14="http://schemas.microsoft.com/office/drawing/2010/main" val="0"/>
@@ -15641,7 +15459,7 @@
           <p:nvPr/>
         </p:nvPicPr>
         <p:blipFill>
-          <a:blip r:embed="rId6">
+          <a:blip r:embed="rId7">
             <a:extLst>
               <a:ext uri="{28A0092B-C50C-407E-A947-70E740481C1C}">
                 <a14:useLocalDpi xmlns:a14="http://schemas.microsoft.com/office/drawing/2010/main" val="0"/>
@@ -15682,7 +15500,7 @@
           <p:nvPr/>
         </p:nvPicPr>
         <p:blipFill>
-          <a:blip r:embed="rId7">
+          <a:blip r:embed="rId8">
             <a:extLst>
               <a:ext uri="{28A0092B-C50C-407E-A947-70E740481C1C}">
                 <a14:useLocalDpi xmlns:a14="http://schemas.microsoft.com/office/drawing/2010/main" val="0"/>
@@ -15769,13 +15587,6 @@
               </a:rPr>
               <a:t>Model Training</a:t>
             </a:r>
-            <a:endParaRPr lang="en-US" u="sng" dirty="0">
-              <a:solidFill>
-                <a:srgbClr val="FF0000"/>
-              </a:solidFill>
-              <a:latin typeface="Times New Roman" panose="02020603050405020304" pitchFamily="18" charset="0"/>
-              <a:cs typeface="Times New Roman" panose="02020603050405020304" pitchFamily="18" charset="0"/>
-            </a:endParaRPr>
           </a:p>
         </p:txBody>
       </p:sp>
@@ -15822,11 +15633,6 @@
               </a:rPr>
               <a:t>Once the information has been gathered and analyzed, there are 1200 random samples chosen from CSV, and the network is trained on the training set by drawing random batches until the whole training set has been utilized, then drawing random batches again. The network is tested against the validation set at regular intervals</a:t>
             </a:r>
-            <a:endParaRPr lang="en-US" sz="1800" dirty="0">
-              <a:effectLst/>
-              <a:latin typeface="Times New Roman" panose="02020603050405020304" pitchFamily="18" charset="0"/>
-              <a:ea typeface="SimSun" panose="02010600030101010101" pitchFamily="2" charset="-122"/>
-            </a:endParaRPr>
           </a:p>
           <a:p>
             <a:pPr marR="0" algn="just">
@@ -15882,11 +15688,6 @@
               </a:rPr>
               <a:t> is utilized to get the training started.</a:t>
             </a:r>
-            <a:endParaRPr lang="en-US" sz="1800" dirty="0">
-              <a:effectLst/>
-              <a:latin typeface="Times New Roman" panose="02020603050405020304" pitchFamily="18" charset="0"/>
-              <a:ea typeface="SimSun" panose="02010600030101010101" pitchFamily="2" charset="-122"/>
-            </a:endParaRPr>
           </a:p>
           <a:p>
             <a:pPr marR="0" algn="just">
@@ -15910,11 +15711,6 @@
               </a:rPr>
               <a:t>Using a batch generator and a model with random weights, input batches are fed into the system before being sent through the layers and compared to the provided labels. The Adam optimizer adjusts the weights.The validation loss is calculated and recorded after each run through the inputs in the first epoch check point function, and if the following epoch yielded a lower value for the validation loss, a copy of the model and its associated weights are saved as model.h5 file. </a:t>
             </a:r>
-            <a:endParaRPr lang="en-US" sz="1800" dirty="0">
-              <a:effectLst/>
-              <a:latin typeface="Times New Roman" panose="02020603050405020304" pitchFamily="18" charset="0"/>
-              <a:ea typeface="SimSun" panose="02010600030101010101" pitchFamily="2" charset="-122"/>
-            </a:endParaRPr>
           </a:p>
           <a:p>
             <a:pPr marR="0" algn="just">
@@ -15945,11 +15741,6 @@
               </a:rPr>
               <a:t>odel.h5 file is created to save the weights for future testing and operation of the self-driving automobile when all the epochs have been completed.</a:t>
             </a:r>
-            <a:endParaRPr lang="en-US" sz="1800" dirty="0">
-              <a:effectLst/>
-              <a:latin typeface="Times New Roman" panose="02020603050405020304" pitchFamily="18" charset="0"/>
-              <a:ea typeface="SimSun" panose="02010600030101010101" pitchFamily="2" charset="-122"/>
-            </a:endParaRPr>
           </a:p>
           <a:p>
             <a:pPr marR="0" algn="just">
@@ -16031,13 +15822,6 @@
               </a:rPr>
               <a:t>Results</a:t>
             </a:r>
-            <a:endParaRPr lang="en-US" u="sng" dirty="0">
-              <a:solidFill>
-                <a:srgbClr val="FF0000"/>
-              </a:solidFill>
-              <a:latin typeface="Times New Roman" panose="02020603050405020304" pitchFamily="18" charset="0"/>
-              <a:cs typeface="Times New Roman" panose="02020603050405020304" pitchFamily="18" charset="0"/>
-            </a:endParaRPr>
           </a:p>
         </p:txBody>
       </p:sp>
@@ -16059,7 +15843,7 @@
         </p:spPr>
         <p:txBody>
           <a:bodyPr>
-            <a:normAutofit fontScale="80000"/>
+            <a:normAutofit fontScale="87500" lnSpcReduction="20000"/>
           </a:bodyPr>
           <a:lstStyle/>
           <a:p>
@@ -16074,10 +15858,6 @@
               </a:rPr>
               <a:t>We are using anaconda tool for running the python code and installed all the required libraries and dependencies.</a:t>
             </a:r>
-            <a:endParaRPr lang="en-US" sz="2400" dirty="0">
-              <a:latin typeface="Times New Roman" panose="02020603050405020304" pitchFamily="18" charset="0"/>
-              <a:cs typeface="Times New Roman" panose="02020603050405020304" pitchFamily="18" charset="0"/>
-            </a:endParaRPr>
           </a:p>
           <a:p>
             <a:pPr algn="just">
@@ -16091,10 +15871,6 @@
               </a:rPr>
               <a:t>We have placed the .py file and the model.h5 file in a folder. First we  create an environment and then activate it where we can run the code and execute it smoothly.</a:t>
             </a:r>
-            <a:endParaRPr lang="en-US" sz="2400" dirty="0">
-              <a:latin typeface="Times New Roman" panose="02020603050405020304" pitchFamily="18" charset="0"/>
-              <a:cs typeface="Times New Roman" panose="02020603050405020304" pitchFamily="18" charset="0"/>
-            </a:endParaRPr>
           </a:p>
           <a:p>
             <a:pPr algn="just">
@@ -16115,17 +15891,6 @@
               </a:rPr>
               <a:t>Initialize Socektio webserver which is used to perform realtime communication between client and server.When a client creates a single connection to websocket server, it keeps listening for new events from server, allows us to continuously update the client with server. It establishes bidirectional communication with the server.</a:t>
             </a:r>
-            <a:endParaRPr lang="en-US" sz="2400" b="0" dirty="0">
-              <a:solidFill>
-                <a:schemeClr val="tx1">
-                  <a:lumMod val="65000"/>
-                  <a:lumOff val="35000"/>
-                </a:schemeClr>
-              </a:solidFill>
-              <a:effectLst/>
-              <a:latin typeface="Times New Roman" panose="02020603050405020304" pitchFamily="18" charset="0"/>
-              <a:cs typeface="Times New Roman" panose="02020603050405020304" pitchFamily="18" charset="0"/>
-            </a:endParaRPr>
           </a:p>
           <a:p>
             <a:pPr algn="just">
@@ -16146,17 +15911,6 @@
               </a:rPr>
               <a:t>As soon as connection is established, we are setting the initial values and simulator is going to send the image details, based on the image, our model extracts features from the images and predicts steering angle. </a:t>
             </a:r>
-            <a:endParaRPr lang="en-US" sz="2400" b="0" dirty="0">
-              <a:solidFill>
-                <a:schemeClr val="tx1">
-                  <a:lumMod val="65000"/>
-                  <a:lumOff val="35000"/>
-                </a:schemeClr>
-              </a:solidFill>
-              <a:effectLst/>
-              <a:latin typeface="Times New Roman" panose="02020603050405020304" pitchFamily="18" charset="0"/>
-              <a:cs typeface="Times New Roman" panose="02020603050405020304" pitchFamily="18" charset="0"/>
-            </a:endParaRPr>
           </a:p>
         </p:txBody>
       </p:sp>
@@ -16169,7 +15923,7 @@
           <p:nvPr/>
         </p:nvPicPr>
         <p:blipFill>
-          <a:blip r:embed="rId1"/>
+          <a:blip r:embed="rId2"/>
           <a:stretch>
             <a:fillRect/>
           </a:stretch>
@@ -16243,13 +15997,6 @@
               </a:rPr>
               <a:t>Model Testing:</a:t>
             </a:r>
-            <a:endParaRPr lang="en-US" u="sng" dirty="0">
-              <a:solidFill>
-                <a:srgbClr val="FF0000"/>
-              </a:solidFill>
-              <a:latin typeface="Times New Roman" panose="02020603050405020304" pitchFamily="18" charset="0"/>
-              <a:cs typeface="Times New Roman" panose="02020603050405020304" pitchFamily="18" charset="0"/>
-            </a:endParaRPr>
           </a:p>
         </p:txBody>
       </p:sp>
@@ -16293,17 +16040,6 @@
               </a:rPr>
               <a:t>The training and testing validation loss graph in figure shows that there is not over fitting in the model and the model was able to predict the turns effectively by using the center , left, right, steering angle, break amount and throttle amount retrieved from csv file. </a:t>
             </a:r>
-            <a:endParaRPr lang="en-US" sz="2400" b="0" dirty="0">
-              <a:solidFill>
-                <a:schemeClr val="tx1">
-                  <a:lumMod val="65000"/>
-                  <a:lumOff val="35000"/>
-                </a:schemeClr>
-              </a:solidFill>
-              <a:effectLst/>
-              <a:latin typeface="Times New Roman" panose="02020603050405020304" pitchFamily="18" charset="0"/>
-              <a:cs typeface="Times New Roman" panose="02020603050405020304" pitchFamily="18" charset="0"/>
-            </a:endParaRPr>
           </a:p>
           <a:p>
             <a:pPr algn="l">
@@ -16324,17 +16060,6 @@
               </a:rPr>
               <a:t>The loss achieved is 3% which is very less. If large amount of training data is used we can reduce the loss percentage even more.</a:t>
             </a:r>
-            <a:endParaRPr lang="en-US" sz="2400" b="0" dirty="0">
-              <a:solidFill>
-                <a:schemeClr val="tx1">
-                  <a:lumMod val="65000"/>
-                  <a:lumOff val="35000"/>
-                </a:schemeClr>
-              </a:solidFill>
-              <a:effectLst/>
-              <a:latin typeface="Times New Roman" panose="02020603050405020304" pitchFamily="18" charset="0"/>
-              <a:cs typeface="Times New Roman" panose="02020603050405020304" pitchFamily="18" charset="0"/>
-            </a:endParaRPr>
           </a:p>
           <a:p>
             <a:pPr algn="l">
@@ -16355,17 +16080,6 @@
               </a:rPr>
               <a:t>For a model to perform efficiently, it should train on huge amount of data to handle all kinds of situations.</a:t>
             </a:r>
-            <a:endParaRPr lang="en-US" sz="2400" b="0" dirty="0">
-              <a:solidFill>
-                <a:schemeClr val="tx1">
-                  <a:lumMod val="65000"/>
-                  <a:lumOff val="35000"/>
-                </a:schemeClr>
-              </a:solidFill>
-              <a:effectLst/>
-              <a:latin typeface="Times New Roman" panose="02020603050405020304" pitchFamily="18" charset="0"/>
-              <a:cs typeface="Times New Roman" panose="02020603050405020304" pitchFamily="18" charset="0"/>
-            </a:endParaRPr>
           </a:p>
         </p:txBody>
       </p:sp>
@@ -16378,7 +16092,7 @@
           <p:nvPr/>
         </p:nvPicPr>
         <p:blipFill>
-          <a:blip r:embed="rId1"/>
+          <a:blip r:embed="rId2"/>
           <a:srcRect l="1109" t="2364" b="1478"/>
           <a:stretch>
             <a:fillRect/>
@@ -16444,13 +16158,6 @@
               </a:rPr>
               <a:t>Conclusion</a:t>
             </a:r>
-            <a:endParaRPr lang="en-US" u="sng" dirty="0">
-              <a:solidFill>
-                <a:srgbClr val="FF0000"/>
-              </a:solidFill>
-              <a:latin typeface="Times New Roman" panose="02020603050405020304" pitchFamily="18" charset="0"/>
-              <a:cs typeface="Times New Roman" panose="02020603050405020304" pitchFamily="18" charset="0"/>
-            </a:endParaRPr>
           </a:p>
         </p:txBody>
       </p:sp>
@@ -16500,11 +16207,6 @@
               </a:rPr>
               <a:t>This research reveals that CNN can be taught using simulation data to run autonomous automobiles. We found that CNNs can learn the whole lane and road follow job without the need for human breakdown into lane recognition, semantic abstraction, route planning and control. Deep Neural Networks  and classic computer vision methods were used in this study to see whether they might lessen risky driving behavior in self-driving cars. The process of setting up the investigation's environment and assembling the tools required a significant amount of time throughout development. Future autonomous driving initiatives will benefit tremendously from using a system that blends classic computer vision methods with the processing power of DNNs, according to the study.</a:t>
             </a:r>
-            <a:endParaRPr lang="en-US" dirty="0">
-              <a:latin typeface="Times New Roman" panose="02020603050405020304" pitchFamily="18" charset="0"/>
-              <a:ea typeface="SimSun" panose="02010600030101010101" pitchFamily="2" charset="-122"/>
-              <a:cs typeface="Times New Roman" panose="02020603050405020304" pitchFamily="18" charset="0"/>
-            </a:endParaRPr>
           </a:p>
         </p:txBody>
       </p:sp>
@@ -16558,13 +16260,6 @@
               </a:rPr>
               <a:t>Future Scope</a:t>
             </a:r>
-            <a:endParaRPr lang="en-US" u="sng" dirty="0">
-              <a:solidFill>
-                <a:srgbClr val="FF0000"/>
-              </a:solidFill>
-              <a:latin typeface="Times New Roman" panose="02020603050405020304" pitchFamily="18" charset="0"/>
-              <a:cs typeface="Times New Roman" panose="02020603050405020304" pitchFamily="18" charset="0"/>
-            </a:endParaRPr>
           </a:p>
         </p:txBody>
       </p:sp>
@@ -16623,11 +16318,6 @@
               </a:rPr>
               <a:t>It's recommended that we collect additional training data in a variety of lighting settings to improve the CNN's capabilities. Definitely this will increase the precision of the car's navigation system. It is also possible to enhance the model's functionality by adding features such as the ability to avoid obstacles encountered on the course. An accurate model might benefit greatly by the CNN being implemented on a real automobile. </a:t>
             </a:r>
-            <a:endParaRPr lang="en-US" dirty="0">
-              <a:latin typeface="Times New Roman" panose="02020603050405020304" pitchFamily="18" charset="0"/>
-              <a:ea typeface="SimSun" panose="02010600030101010101" pitchFamily="2" charset="-122"/>
-              <a:cs typeface="Times New Roman" panose="02020603050405020304" pitchFamily="18" charset="0"/>
-            </a:endParaRPr>
           </a:p>
         </p:txBody>
       </p:sp>
@@ -16686,13 +16376,6 @@
               </a:rPr>
               <a:t>References</a:t>
             </a:r>
-            <a:endParaRPr lang="en-US" u="sng" dirty="0">
-              <a:solidFill>
-                <a:srgbClr val="FF0000"/>
-              </a:solidFill>
-              <a:latin typeface="Times New Roman" panose="02020603050405020304" pitchFamily="18" charset="0"/>
-              <a:cs typeface="Times New Roman" panose="02020603050405020304" pitchFamily="18" charset="0"/>
-            </a:endParaRPr>
           </a:p>
         </p:txBody>
       </p:sp>
@@ -16741,11 +16424,6 @@
               </a:rPr>
               <a:t>[1] G. Deng, L. (2012). The MNIST database of handwritten digit images for machine learning research [best of the web]. IEEE Signal Processing Magazine, 29(6), 141-142</a:t>
             </a:r>
-            <a:endParaRPr lang="en-US" sz="1800" spc="-5" dirty="0">
-              <a:effectLst/>
-              <a:latin typeface="Times New Roman" panose="02020603050405020304" pitchFamily="18" charset="0"/>
-              <a:ea typeface="SimSun" panose="02010600030101010101" pitchFamily="2" charset="-122"/>
-            </a:endParaRPr>
           </a:p>
           <a:p>
             <a:pPr marL="0" marR="0" indent="0" algn="just">
@@ -16771,11 +16449,6 @@
               </a:rPr>
               <a:t>[2] Large scale visual recognition challenge (ILSVRC). URL: http://www.image-net.org/ challenges/LSVRC/..</a:t>
             </a:r>
-            <a:endParaRPr lang="en-US" sz="1800" spc="-5" dirty="0">
-              <a:effectLst/>
-              <a:latin typeface="Times New Roman" panose="02020603050405020304" pitchFamily="18" charset="0"/>
-              <a:ea typeface="SimSun" panose="02010600030101010101" pitchFamily="2" charset="-122"/>
-            </a:endParaRPr>
           </a:p>
           <a:p>
             <a:pPr marL="0" marR="0" indent="0" algn="just">
@@ -16839,11 +16512,6 @@
               </a:rPr>
               <a:t>cognition for technical systems, volume 1, 2008..</a:t>
             </a:r>
-            <a:endParaRPr lang="en-US" sz="1800" spc="-5" dirty="0">
-              <a:effectLst/>
-              <a:latin typeface="Times New Roman" panose="02020603050405020304" pitchFamily="18" charset="0"/>
-              <a:ea typeface="SimSun" panose="02010600030101010101" pitchFamily="2" charset="-122"/>
-            </a:endParaRPr>
           </a:p>
           <a:p>
             <a:pPr marL="0" marR="0" indent="0" algn="just">
@@ -16869,11 +16537,6 @@
               </a:rPr>
               <a:t>[4] Clevert, Djork-Arn, Thomas Unterthiner, and Sepp Hochreiter. ”Fast and accurate deep network learning by exponential linear units (elus).” arXiv preprint arXiv:1511.07289 (2015)..</a:t>
             </a:r>
-            <a:endParaRPr lang="en-US" sz="1800" spc="-5" dirty="0">
-              <a:effectLst/>
-              <a:latin typeface="Times New Roman" panose="02020603050405020304" pitchFamily="18" charset="0"/>
-              <a:ea typeface="SimSun" panose="02010600030101010101" pitchFamily="2" charset="-122"/>
-            </a:endParaRPr>
           </a:p>
           <a:p>
             <a:pPr marL="0" marR="0" indent="0" algn="just">
@@ -16899,11 +16562,6 @@
               </a:rPr>
               <a:t>[5] D.P. Kingma and J. Ba.Adam: A method for stochastic optimization. CoRR, abs/1412.6980,2014.</a:t>
             </a:r>
-            <a:endParaRPr lang="en-US" sz="1800" spc="-5" dirty="0">
-              <a:effectLst/>
-              <a:latin typeface="Times New Roman" panose="02020603050405020304" pitchFamily="18" charset="0"/>
-              <a:ea typeface="SimSun" panose="02010600030101010101" pitchFamily="2" charset="-122"/>
-            </a:endParaRPr>
           </a:p>
           <a:p>
             <a:pPr marL="0" marR="0" indent="0" algn="just">
@@ -16948,11 +16606,6 @@
               </a:rPr>
               <a:t>image scanning with deep max-pooling convolutional neural networks 2013 IEEE Int. Conf. Image Process. ICIP 2013 - Proc. pp 4034–8.</a:t>
             </a:r>
-            <a:endParaRPr lang="en-US" sz="1800" spc="-5" dirty="0">
-              <a:effectLst/>
-              <a:latin typeface="Times New Roman" panose="02020603050405020304" pitchFamily="18" charset="0"/>
-              <a:ea typeface="SimSun" panose="02010600030101010101" pitchFamily="2" charset="-122"/>
-            </a:endParaRPr>
           </a:p>
           <a:p>
             <a:pPr marL="0" marR="0" indent="0" algn="just">
@@ -17089,13 +16742,6 @@
               </a:rPr>
               <a:t>Table of Contents</a:t>
             </a:r>
-            <a:endParaRPr lang="en-US" sz="4000" u="sng" dirty="0">
-              <a:solidFill>
-                <a:srgbClr val="FF0000"/>
-              </a:solidFill>
-              <a:latin typeface="Times New Roman" panose="02020603050405020304" pitchFamily="18" charset="0"/>
-              <a:cs typeface="Times New Roman" panose="02020603050405020304" pitchFamily="18" charset="0"/>
-            </a:endParaRPr>
           </a:p>
         </p:txBody>
       </p:sp>
@@ -17135,10 +16781,6 @@
               </a:rPr>
               <a:t>Introduction</a:t>
             </a:r>
-            <a:endParaRPr lang="en-US" dirty="0">
-              <a:latin typeface="Times New Roman" panose="02020603050405020304" pitchFamily="18" charset="0"/>
-              <a:cs typeface="Times New Roman" panose="02020603050405020304" pitchFamily="18" charset="0"/>
-            </a:endParaRPr>
           </a:p>
           <a:p>
             <a:pPr>
@@ -17155,10 +16797,6 @@
               </a:rPr>
               <a:t>Why self driving cars</a:t>
             </a:r>
-            <a:endParaRPr lang="en-US" dirty="0">
-              <a:latin typeface="Times New Roman" panose="02020603050405020304" pitchFamily="18" charset="0"/>
-              <a:cs typeface="Times New Roman" panose="02020603050405020304" pitchFamily="18" charset="0"/>
-            </a:endParaRPr>
           </a:p>
           <a:p>
             <a:pPr>
@@ -17175,10 +16813,6 @@
               </a:rPr>
               <a:t>Companies Investing in Self Driving Cars</a:t>
             </a:r>
-            <a:endParaRPr lang="en-US" dirty="0">
-              <a:latin typeface="Times New Roman" panose="02020603050405020304" pitchFamily="18" charset="0"/>
-              <a:cs typeface="Times New Roman" panose="02020603050405020304" pitchFamily="18" charset="0"/>
-            </a:endParaRPr>
           </a:p>
           <a:p>
             <a:pPr>
@@ -17195,10 +16829,6 @@
               </a:rPr>
               <a:t>Related Works and Leaders in the innovation</a:t>
             </a:r>
-            <a:endParaRPr lang="en-US" dirty="0">
-              <a:latin typeface="Times New Roman" panose="02020603050405020304" pitchFamily="18" charset="0"/>
-              <a:cs typeface="Times New Roman" panose="02020603050405020304" pitchFamily="18" charset="0"/>
-            </a:endParaRPr>
           </a:p>
           <a:p>
             <a:pPr>
@@ -17215,10 +16845,6 @@
               </a:rPr>
               <a:t>Data Collection and Manipulation</a:t>
             </a:r>
-            <a:endParaRPr lang="en-US" dirty="0">
-              <a:latin typeface="Times New Roman" panose="02020603050405020304" pitchFamily="18" charset="0"/>
-              <a:cs typeface="Times New Roman" panose="02020603050405020304" pitchFamily="18" charset="0"/>
-            </a:endParaRPr>
           </a:p>
           <a:p>
             <a:pPr>
@@ -17235,10 +16861,6 @@
               </a:rPr>
               <a:t>Approach Used: Neural Networks</a:t>
             </a:r>
-            <a:endParaRPr lang="en-US" dirty="0">
-              <a:latin typeface="Times New Roman" panose="02020603050405020304" pitchFamily="18" charset="0"/>
-              <a:cs typeface="Times New Roman" panose="02020603050405020304" pitchFamily="18" charset="0"/>
-            </a:endParaRPr>
           </a:p>
           <a:p>
             <a:pPr>
@@ -17255,10 +16877,6 @@
               </a:rPr>
               <a:t>Architecture</a:t>
             </a:r>
-            <a:endParaRPr lang="en-US" dirty="0">
-              <a:latin typeface="Times New Roman" panose="02020603050405020304" pitchFamily="18" charset="0"/>
-              <a:cs typeface="Times New Roman" panose="02020603050405020304" pitchFamily="18" charset="0"/>
-            </a:endParaRPr>
           </a:p>
           <a:p>
             <a:pPr>
@@ -17275,10 +16893,6 @@
               </a:rPr>
               <a:t>Software Requirements</a:t>
             </a:r>
-            <a:endParaRPr lang="en-US" dirty="0">
-              <a:latin typeface="Times New Roman" panose="02020603050405020304" pitchFamily="18" charset="0"/>
-              <a:cs typeface="Times New Roman" panose="02020603050405020304" pitchFamily="18" charset="0"/>
-            </a:endParaRPr>
           </a:p>
           <a:p>
             <a:pPr>
@@ -17295,10 +16909,6 @@
               </a:rPr>
               <a:t>Model Training </a:t>
             </a:r>
-            <a:endParaRPr lang="en-US" dirty="0">
-              <a:latin typeface="Times New Roman" panose="02020603050405020304" pitchFamily="18" charset="0"/>
-              <a:cs typeface="Times New Roman" panose="02020603050405020304" pitchFamily="18" charset="0"/>
-            </a:endParaRPr>
           </a:p>
           <a:p>
             <a:pPr>
@@ -17315,10 +16925,6 @@
               </a:rPr>
               <a:t>Results</a:t>
             </a:r>
-            <a:endParaRPr lang="en-US" dirty="0">
-              <a:latin typeface="Times New Roman" panose="02020603050405020304" pitchFamily="18" charset="0"/>
-              <a:cs typeface="Times New Roman" panose="02020603050405020304" pitchFamily="18" charset="0"/>
-            </a:endParaRPr>
           </a:p>
           <a:p>
             <a:pPr>
@@ -17335,10 +16941,6 @@
               </a:rPr>
               <a:t>Conclusion</a:t>
             </a:r>
-            <a:endParaRPr lang="en-US" dirty="0">
-              <a:latin typeface="Times New Roman" panose="02020603050405020304" pitchFamily="18" charset="0"/>
-              <a:cs typeface="Times New Roman" panose="02020603050405020304" pitchFamily="18" charset="0"/>
-            </a:endParaRPr>
           </a:p>
           <a:p>
             <a:pPr>
@@ -17355,10 +16957,6 @@
               </a:rPr>
               <a:t>Future Scope</a:t>
             </a:r>
-            <a:endParaRPr lang="en-US" dirty="0">
-              <a:latin typeface="Times New Roman" panose="02020603050405020304" pitchFamily="18" charset="0"/>
-              <a:cs typeface="Times New Roman" panose="02020603050405020304" pitchFamily="18" charset="0"/>
-            </a:endParaRPr>
           </a:p>
           <a:p>
             <a:pPr>
@@ -17375,10 +16973,6 @@
               </a:rPr>
               <a:t>References</a:t>
             </a:r>
-            <a:endParaRPr lang="en-US" dirty="0">
-              <a:latin typeface="Times New Roman" panose="02020603050405020304" pitchFamily="18" charset="0"/>
-              <a:cs typeface="Times New Roman" panose="02020603050405020304" pitchFamily="18" charset="0"/>
-            </a:endParaRPr>
           </a:p>
           <a:p>
             <a:pPr>
@@ -17423,7 +17017,7 @@
           <p:nvPr/>
         </p:nvPicPr>
         <p:blipFill>
-          <a:blip r:embed="rId1">
+          <a:blip r:embed="rId2">
             <a:extLst>
               <a:ext uri="{28A0092B-C50C-407E-A947-70E740481C1C}">
                 <a14:useLocalDpi xmlns:a14="http://schemas.microsoft.com/office/drawing/2010/main" val="0"/>
@@ -17489,7 +17083,7 @@
           <p:nvPr/>
         </p:nvPicPr>
         <p:blipFill>
-          <a:blip r:embed="rId1">
+          <a:blip r:embed="rId2">
             <a:extLst>
               <a:ext uri="{28A0092B-C50C-407E-A947-70E740481C1C}">
                 <a14:useLocalDpi xmlns:a14="http://schemas.microsoft.com/office/drawing/2010/main" val="0"/>
@@ -17576,13 +17170,6 @@
               </a:rPr>
               <a:t>Introduction</a:t>
             </a:r>
-            <a:endParaRPr lang="en-US" u="sng" dirty="0">
-              <a:solidFill>
-                <a:srgbClr val="FF0000"/>
-              </a:solidFill>
-              <a:latin typeface="Times New Roman" panose="02020603050405020304" pitchFamily="18" charset="0"/>
-              <a:cs typeface="Times New Roman" panose="02020603050405020304" pitchFamily="18" charset="0"/>
-            </a:endParaRPr>
           </a:p>
         </p:txBody>
       </p:sp>
@@ -17622,10 +17209,6 @@
               </a:rPr>
               <a:t>Self driving cars, one of the trending topics all over the world. A car with no steering wheel, pedals and with the most advanced technology autopilot.</a:t>
             </a:r>
-            <a:endParaRPr lang="en-US" sz="1600" dirty="0">
-              <a:latin typeface="Times New Roman" panose="02020603050405020304" pitchFamily="18" charset="0"/>
-              <a:cs typeface="Times New Roman" panose="02020603050405020304" pitchFamily="18" charset="0"/>
-            </a:endParaRPr>
           </a:p>
           <a:p>
             <a:pPr>
@@ -17656,10 +17239,6 @@
               </a:rPr>
               <a:t>, also known as autonomous vehicle(AV), is a car incorporating vehicle automation, that is a ground vehicle that is capable of sensing its environment and moving safely with little or no human input.</a:t>
             </a:r>
-            <a:endParaRPr lang="en-US" sz="1600" dirty="0">
-              <a:latin typeface="Times New Roman" panose="02020603050405020304" pitchFamily="18" charset="0"/>
-              <a:cs typeface="Times New Roman" panose="02020603050405020304" pitchFamily="18" charset="0"/>
-            </a:endParaRPr>
           </a:p>
           <a:p>
             <a:pPr>
@@ -17684,11 +17263,6 @@
               </a:rPr>
               <a:t>advanced neural network in combination with Computer vision to build a self driving car.</a:t>
             </a:r>
-            <a:endParaRPr lang="en-US" sz="1600" dirty="0">
-              <a:effectLst/>
-              <a:latin typeface="Times New Roman" panose="02020603050405020304" pitchFamily="18" charset="0"/>
-              <a:ea typeface="SimSun" panose="02010600030101010101" pitchFamily="2" charset="-122"/>
-            </a:endParaRPr>
           </a:p>
           <a:p>
             <a:pPr>
@@ -17706,11 +17280,6 @@
               </a:rPr>
               <a:t>It learns the whole set of algorithms required to operate a car's steering wheel.</a:t>
             </a:r>
-            <a:endParaRPr lang="en-US" sz="1600" dirty="0">
-              <a:effectLst/>
-              <a:latin typeface="Times New Roman" panose="02020603050405020304" pitchFamily="18" charset="0"/>
-              <a:ea typeface="SimSun" panose="02010600030101010101" pitchFamily="2" charset="-122"/>
-            </a:endParaRPr>
           </a:p>
           <a:p>
             <a:pPr>
@@ -17728,11 +17297,6 @@
               </a:rPr>
               <a:t> In a simulated driving situation, the CNN was trained and evaluated using data.</a:t>
             </a:r>
-            <a:endParaRPr lang="en-US" sz="1600" dirty="0">
-              <a:effectLst/>
-              <a:latin typeface="Times New Roman" panose="02020603050405020304" pitchFamily="18" charset="0"/>
-              <a:ea typeface="SimSun" panose="02010600030101010101" pitchFamily="2" charset="-122"/>
-            </a:endParaRPr>
           </a:p>
           <a:p>
             <a:pPr>
@@ -17750,11 +17314,6 @@
               </a:rPr>
               <a:t>A front-facing center camera footage may be used to generate control orders for the car's steering once it has been trained.</a:t>
             </a:r>
-            <a:endParaRPr lang="en-US" sz="1600" dirty="0">
-              <a:effectLst/>
-              <a:latin typeface="Times New Roman" panose="02020603050405020304" pitchFamily="18" charset="0"/>
-              <a:ea typeface="SimSun" panose="02010600030101010101" pitchFamily="2" charset="-122"/>
-            </a:endParaRPr>
           </a:p>
           <a:p>
             <a:pPr>
@@ -17780,7 +17339,7 @@
           <p:nvPr/>
         </p:nvPicPr>
         <p:blipFill>
-          <a:blip r:embed="rId1">
+          <a:blip r:embed="rId2">
             <a:extLst>
               <a:ext uri="{28A0092B-C50C-407E-A947-70E740481C1C}">
                 <a14:useLocalDpi xmlns:a14="http://schemas.microsoft.com/office/drawing/2010/main" val="0"/>
@@ -17867,13 +17426,6 @@
               </a:rPr>
               <a:t>Why self driving cars</a:t>
             </a:r>
-            <a:endParaRPr lang="en-US" u="sng" dirty="0">
-              <a:solidFill>
-                <a:srgbClr val="FF0000"/>
-              </a:solidFill>
-              <a:latin typeface="Times New Roman" panose="02020603050405020304" pitchFamily="18" charset="0"/>
-              <a:cs typeface="Times New Roman" panose="02020603050405020304" pitchFamily="18" charset="0"/>
-            </a:endParaRPr>
           </a:p>
         </p:txBody>
       </p:sp>
@@ -17907,10 +17459,6 @@
               </a:rPr>
               <a:t>Below are the main reasons why we need self driving cars</a:t>
             </a:r>
-            <a:endParaRPr lang="en-US" sz="2400" dirty="0">
-              <a:latin typeface="Times New Roman" panose="02020603050405020304" pitchFamily="18" charset="0"/>
-              <a:cs typeface="Times New Roman" panose="02020603050405020304" pitchFamily="18" charset="0"/>
-            </a:endParaRPr>
           </a:p>
           <a:p>
             <a:pPr marL="0" indent="0" algn="l">
@@ -17933,10 +17481,6 @@
               </a:rPr>
               <a:t>90% reduction in traffic deaths</a:t>
             </a:r>
-            <a:endParaRPr lang="en-US" sz="2400" dirty="0">
-              <a:latin typeface="Times New Roman" panose="02020603050405020304" pitchFamily="18" charset="0"/>
-              <a:cs typeface="Times New Roman" panose="02020603050405020304" pitchFamily="18" charset="0"/>
-            </a:endParaRPr>
           </a:p>
           <a:p>
             <a:pPr algn="l">
@@ -17950,10 +17494,6 @@
               </a:rPr>
               <a:t>60% drop in harmful emissions</a:t>
             </a:r>
-            <a:endParaRPr lang="en-US" sz="2400" dirty="0">
-              <a:latin typeface="Times New Roman" panose="02020603050405020304" pitchFamily="18" charset="0"/>
-              <a:cs typeface="Times New Roman" panose="02020603050405020304" pitchFamily="18" charset="0"/>
-            </a:endParaRPr>
           </a:p>
           <a:p>
             <a:pPr algn="l">
@@ -17967,10 +17507,6 @@
               </a:rPr>
               <a:t>Eliminate stop and go waits by 100%</a:t>
             </a:r>
-            <a:endParaRPr lang="en-US" sz="2400" dirty="0">
-              <a:latin typeface="Times New Roman" panose="02020603050405020304" pitchFamily="18" charset="0"/>
-              <a:cs typeface="Times New Roman" panose="02020603050405020304" pitchFamily="18" charset="0"/>
-            </a:endParaRPr>
           </a:p>
           <a:p>
             <a:pPr algn="l">
@@ -17984,10 +17520,6 @@
               </a:rPr>
               <a:t>10% improvement in fuel economy</a:t>
             </a:r>
-            <a:endParaRPr lang="en-US" sz="2400" dirty="0">
-              <a:latin typeface="Times New Roman" panose="02020603050405020304" pitchFamily="18" charset="0"/>
-              <a:cs typeface="Times New Roman" panose="02020603050405020304" pitchFamily="18" charset="0"/>
-            </a:endParaRPr>
           </a:p>
           <a:p>
             <a:pPr algn="l">
@@ -18001,10 +17533,6 @@
               </a:rPr>
               <a:t>500% increase in lane capacity</a:t>
             </a:r>
-            <a:endParaRPr lang="en-US" sz="2400" dirty="0">
-              <a:latin typeface="Times New Roman" panose="02020603050405020304" pitchFamily="18" charset="0"/>
-              <a:cs typeface="Times New Roman" panose="02020603050405020304" pitchFamily="18" charset="0"/>
-            </a:endParaRPr>
           </a:p>
           <a:p>
             <a:pPr algn="l">
@@ -18018,10 +17546,6 @@
               </a:rPr>
               <a:t>40% reduction in travel time</a:t>
             </a:r>
-            <a:endParaRPr lang="en-US" sz="2400" dirty="0">
-              <a:latin typeface="Times New Roman" panose="02020603050405020304" pitchFamily="18" charset="0"/>
-              <a:cs typeface="Times New Roman" panose="02020603050405020304" pitchFamily="18" charset="0"/>
-            </a:endParaRPr>
           </a:p>
           <a:p>
             <a:pPr>
@@ -18041,6 +17565,25 @@
                 <a:cs typeface="Times New Roman" panose="02020603050405020304" pitchFamily="18" charset="0"/>
               </a:rPr>
               <a:t>Consumer savings of £5bn</a:t>
+            </a:r>
+          </a:p>
+          <a:p>
+            <a:pPr>
+              <a:buFont typeface="Wingdings" panose="05000000000000000000" pitchFamily="2" charset="2"/>
+              <a:buChar char="v"/>
+            </a:pPr>
+            <a:r>
+              <a:rPr lang="en-US" sz="2400" dirty="0">
+                <a:solidFill>
+                  <a:schemeClr val="tx1">
+                    <a:lumMod val="65000"/>
+                    <a:lumOff val="35000"/>
+                  </a:schemeClr>
+                </a:solidFill>
+                <a:latin typeface="Times New Roman" panose="02020603050405020304" pitchFamily="18" charset="0"/>
+                <a:cs typeface="Times New Roman" panose="02020603050405020304" pitchFamily="18" charset="0"/>
+              </a:rPr>
+              <a:t>Greater Independence</a:t>
             </a:r>
             <a:endParaRPr lang="en-US" sz="2400" b="0" dirty="0">
               <a:solidFill>
@@ -18054,36 +17597,6 @@
               <a:cs typeface="Times New Roman" panose="02020603050405020304" pitchFamily="18" charset="0"/>
             </a:endParaRPr>
           </a:p>
-          <a:p>
-            <a:pPr>
-              <a:buFont typeface="Wingdings" panose="05000000000000000000" pitchFamily="2" charset="2"/>
-              <a:buChar char="v"/>
-            </a:pPr>
-            <a:r>
-              <a:rPr lang="en-US" sz="2400" dirty="0">
-                <a:solidFill>
-                  <a:schemeClr val="tx1">
-                    <a:lumMod val="65000"/>
-                    <a:lumOff val="35000"/>
-                  </a:schemeClr>
-                </a:solidFill>
-                <a:latin typeface="Times New Roman" panose="02020603050405020304" pitchFamily="18" charset="0"/>
-                <a:cs typeface="Times New Roman" panose="02020603050405020304" pitchFamily="18" charset="0"/>
-              </a:rPr>
-              <a:t>Greater Independence</a:t>
-            </a:r>
-            <a:endParaRPr lang="en-US" sz="2400" b="0" dirty="0">
-              <a:solidFill>
-                <a:schemeClr val="tx1">
-                  <a:lumMod val="65000"/>
-                  <a:lumOff val="35000"/>
-                </a:schemeClr>
-              </a:solidFill>
-              <a:effectLst/>
-              <a:latin typeface="Times New Roman" panose="02020603050405020304" pitchFamily="18" charset="0"/>
-              <a:cs typeface="Times New Roman" panose="02020603050405020304" pitchFamily="18" charset="0"/>
-            </a:endParaRPr>
-          </a:p>
         </p:txBody>
       </p:sp>
       <p:pic>
@@ -18095,7 +17608,7 @@
           <p:nvPr/>
         </p:nvPicPr>
         <p:blipFill>
-          <a:blip r:embed="rId1">
+          <a:blip r:embed="rId2">
             <a:extLst>
               <a:ext uri="{28A0092B-C50C-407E-A947-70E740481C1C}">
                 <a14:useLocalDpi xmlns:a14="http://schemas.microsoft.com/office/drawing/2010/main" val="0"/>
@@ -18182,13 +17695,6 @@
               </a:rPr>
               <a:t>Companies Investing in Self Driving Cars</a:t>
             </a:r>
-            <a:endParaRPr lang="en-US" u="sng" dirty="0">
-              <a:solidFill>
-                <a:srgbClr val="FF0000"/>
-              </a:solidFill>
-              <a:latin typeface="Times New Roman" panose="02020603050405020304" pitchFamily="18" charset="0"/>
-              <a:cs typeface="Times New Roman" panose="02020603050405020304" pitchFamily="18" charset="0"/>
-            </a:endParaRPr>
           </a:p>
         </p:txBody>
       </p:sp>
@@ -18203,7 +17709,7 @@
           </p:nvPr>
         </p:nvPicPr>
         <p:blipFill>
-          <a:blip r:embed="rId1"/>
+          <a:blip r:embed="rId2"/>
           <a:stretch>
             <a:fillRect/>
           </a:stretch>
@@ -18270,13 +17776,6 @@
               </a:rPr>
               <a:t>Related Works and Leaders in the Innovation</a:t>
             </a:r>
-            <a:endParaRPr lang="en-US" u="sng" dirty="0">
-              <a:solidFill>
-                <a:srgbClr val="FF0000"/>
-              </a:solidFill>
-              <a:latin typeface="Times New Roman" panose="02020603050405020304" pitchFamily="18" charset="0"/>
-              <a:cs typeface="Times New Roman" panose="02020603050405020304" pitchFamily="18" charset="0"/>
-            </a:endParaRPr>
           </a:p>
         </p:txBody>
       </p:sp>
@@ -18311,10 +17810,6 @@
               </a:rPr>
               <a:t>Waymo</a:t>
             </a:r>
-            <a:endParaRPr lang="en-US" dirty="0">
-              <a:latin typeface="Times New Roman" panose="02020603050405020304" pitchFamily="18" charset="0"/>
-              <a:cs typeface="Times New Roman" panose="02020603050405020304" pitchFamily="18" charset="0"/>
-            </a:endParaRPr>
           </a:p>
           <a:p>
             <a:pPr marL="0" indent="0">
@@ -18327,10 +17822,6 @@
               </a:rPr>
               <a:t>              Previously owned by the GOOGLE</a:t>
             </a:r>
-            <a:endParaRPr lang="en-US" dirty="0">
-              <a:latin typeface="Times New Roman" panose="02020603050405020304" pitchFamily="18" charset="0"/>
-              <a:cs typeface="Times New Roman" panose="02020603050405020304" pitchFamily="18" charset="0"/>
-            </a:endParaRPr>
           </a:p>
           <a:p>
             <a:pPr>
@@ -18344,10 +17835,6 @@
               </a:rPr>
               <a:t>Tesla</a:t>
             </a:r>
-            <a:endParaRPr lang="en-US" dirty="0">
-              <a:latin typeface="Times New Roman" panose="02020603050405020304" pitchFamily="18" charset="0"/>
-              <a:cs typeface="Times New Roman" panose="02020603050405020304" pitchFamily="18" charset="0"/>
-            </a:endParaRPr>
           </a:p>
           <a:p>
             <a:pPr marL="0" indent="0">
@@ -18360,10 +17847,6 @@
               </a:rPr>
               <a:t>              Already rolling out self-driving cars</a:t>
             </a:r>
-            <a:endParaRPr lang="en-US" dirty="0">
-              <a:latin typeface="Times New Roman" panose="02020603050405020304" pitchFamily="18" charset="0"/>
-              <a:cs typeface="Times New Roman" panose="02020603050405020304" pitchFamily="18" charset="0"/>
-            </a:endParaRPr>
           </a:p>
           <a:p>
             <a:pPr>
@@ -18377,10 +17860,6 @@
               </a:rPr>
               <a:t>Waymo and Tesla are considered to be the leaders in the innovation of self-driving cars</a:t>
             </a:r>
-            <a:endParaRPr lang="en-US" dirty="0">
-              <a:latin typeface="Times New Roman" panose="02020603050405020304" pitchFamily="18" charset="0"/>
-              <a:cs typeface="Times New Roman" panose="02020603050405020304" pitchFamily="18" charset="0"/>
-            </a:endParaRPr>
           </a:p>
           <a:p>
             <a:pPr>
@@ -18396,12 +17875,6 @@
               </a:rPr>
               <a:t>Waymo and Tesla use a variety of sensors and cameras to construct a 3D representation of the car's surroundings. </a:t>
             </a:r>
-            <a:endParaRPr lang="en-US" sz="1800" dirty="0">
-              <a:effectLst/>
-              <a:latin typeface="Times New Roman" panose="02020603050405020304" pitchFamily="18" charset="0"/>
-              <a:ea typeface="SimSun" panose="02010600030101010101" pitchFamily="2" charset="-122"/>
-              <a:cs typeface="Times New Roman" panose="02020603050405020304" pitchFamily="18" charset="0"/>
-            </a:endParaRPr>
           </a:p>
           <a:p>
             <a:pPr>
@@ -18417,12 +17890,6 @@
               </a:rPr>
               <a:t>A 360-degree representation of the environment requires expensive technology like as LIDAR , radar and ultrasonic sensors</a:t>
             </a:r>
-            <a:endParaRPr lang="en-US" sz="1800" dirty="0">
-              <a:effectLst/>
-              <a:latin typeface="Times New Roman" panose="02020603050405020304" pitchFamily="18" charset="0"/>
-              <a:ea typeface="SimSun" panose="02010600030101010101" pitchFamily="2" charset="-122"/>
-              <a:cs typeface="Times New Roman" panose="02020603050405020304" pitchFamily="18" charset="0"/>
-            </a:endParaRPr>
           </a:p>
           <a:p>
             <a:pPr>
@@ -18438,12 +17905,6 @@
               </a:rPr>
               <a:t>the Tesla Model S makes use of a single back camera as well as broad and narrow front cameras that view within.</a:t>
             </a:r>
-            <a:endParaRPr lang="en-US" sz="1800" dirty="0">
-              <a:effectLst/>
-              <a:latin typeface="Times New Roman" panose="02020603050405020304" pitchFamily="18" charset="0"/>
-              <a:ea typeface="SimSun" panose="02010600030101010101" pitchFamily="2" charset="-122"/>
-              <a:cs typeface="Times New Roman" panose="02020603050405020304" pitchFamily="18" charset="0"/>
-            </a:endParaRPr>
           </a:p>
           <a:p>
             <a:pPr>
@@ -18475,7 +17936,7 @@
           <p:nvPr/>
         </p:nvPicPr>
         <p:blipFill>
-          <a:blip r:embed="rId1">
+          <a:blip r:embed="rId2">
             <a:extLst>
               <a:ext uri="{28A0092B-C50C-407E-A947-70E740481C1C}">
                 <a14:useLocalDpi xmlns:a14="http://schemas.microsoft.com/office/drawing/2010/main" val="0"/>
@@ -18621,15 +18082,6 @@
               </a:rPr>
               <a:t>Methodology</a:t>
             </a:r>
-            <a:endParaRPr lang="en-US" sz="4400" b="1" dirty="0">
-              <a:solidFill>
-                <a:schemeClr val="accent3">
-                  <a:lumMod val="75000"/>
-                </a:schemeClr>
-              </a:solidFill>
-              <a:latin typeface="Times New Roman" panose="02020603050405020304" pitchFamily="18" charset="0"/>
-              <a:cs typeface="Times New Roman" panose="02020603050405020304" pitchFamily="18" charset="0"/>
-            </a:endParaRPr>
           </a:p>
         </p:txBody>
       </p:sp>
@@ -18688,13 +18140,6 @@
               </a:rPr>
               <a:t>Data Collection and Manipulation</a:t>
             </a:r>
-            <a:endParaRPr lang="en-US" u="sng" dirty="0">
-              <a:solidFill>
-                <a:srgbClr val="FF0000"/>
-              </a:solidFill>
-              <a:latin typeface="Times New Roman" panose="02020603050405020304" pitchFamily="18" charset="0"/>
-              <a:cs typeface="Times New Roman" panose="02020603050405020304" pitchFamily="18" charset="0"/>
-            </a:endParaRPr>
           </a:p>
         </p:txBody>
       </p:sp>
@@ -18733,11 +18178,6 @@
               </a:rPr>
               <a:t>The goal is to forecast the steering wheel movements of a self-driving automobile based on data from a camera in front of the vehicle.</a:t>
             </a:r>
-            <a:endParaRPr lang="en-US" sz="1800" dirty="0">
-              <a:effectLst/>
-              <a:latin typeface="Times New Roman" panose="02020603050405020304" pitchFamily="18" charset="0"/>
-              <a:ea typeface="SimSun" panose="02010600030101010101" pitchFamily="2" charset="-122"/>
-            </a:endParaRPr>
           </a:p>
           <a:p>
             <a:pPr algn="l">
@@ -18755,11 +18195,6 @@
               </a:rPr>
               <a:t>There are two modes in system’s operations</a:t>
             </a:r>
-            <a:endParaRPr lang="en-US" dirty="0">
-              <a:latin typeface="Times New Roman" panose="02020603050405020304" pitchFamily="18" charset="0"/>
-              <a:ea typeface="SimSun" panose="02010600030101010101" pitchFamily="2" charset="-122"/>
-              <a:cs typeface="Times New Roman" panose="02020603050405020304" pitchFamily="18" charset="0"/>
-            </a:endParaRPr>
           </a:p>
           <a:p>
             <a:pPr marL="0" indent="0" algn="l">
@@ -18776,11 +18211,6 @@
               </a:rPr>
               <a:t>                            1)Data Collection Mode </a:t>
             </a:r>
-            <a:endParaRPr lang="en-US" dirty="0">
-              <a:latin typeface="Times New Roman" panose="02020603050405020304" pitchFamily="18" charset="0"/>
-              <a:ea typeface="SimSun" panose="02010600030101010101" pitchFamily="2" charset="-122"/>
-              <a:cs typeface="Times New Roman" panose="02020603050405020304" pitchFamily="18" charset="0"/>
-            </a:endParaRPr>
           </a:p>
           <a:p>
             <a:pPr marL="0" indent="0" algn="l">
@@ -18797,11 +18227,6 @@
               </a:rPr>
               <a:t>			    2)Self Driving Mode</a:t>
             </a:r>
-            <a:endParaRPr lang="en-US" dirty="0">
-              <a:latin typeface="Times New Roman" panose="02020603050405020304" pitchFamily="18" charset="0"/>
-              <a:ea typeface="SimSun" panose="02010600030101010101" pitchFamily="2" charset="-122"/>
-              <a:cs typeface="Times New Roman" panose="02020603050405020304" pitchFamily="18" charset="0"/>
-            </a:endParaRPr>
           </a:p>
           <a:p>
             <a:pPr marR="0" algn="just">
@@ -18952,11 +18377,6 @@
               </a:rPr>
               <a:t>.</a:t>
             </a:r>
-            <a:endParaRPr lang="en-US" sz="1800" spc="-5" dirty="0">
-              <a:effectLst/>
-              <a:latin typeface="Times New Roman" panose="02020603050405020304" pitchFamily="18" charset="0"/>
-              <a:ea typeface="SimSun" panose="02010600030101010101" pitchFamily="2" charset="-122"/>
-            </a:endParaRPr>
           </a:p>
           <a:p>
             <a:pPr marL="0" marR="0" indent="0" algn="just">
@@ -19048,13 +18468,6 @@
               </a:rPr>
               <a:t>Data Collection and Manipulation(Contd..)</a:t>
             </a:r>
-            <a:endParaRPr lang="en-US" u="sng" dirty="0">
-              <a:solidFill>
-                <a:srgbClr val="FF0000"/>
-              </a:solidFill>
-              <a:latin typeface="Times New Roman" panose="02020603050405020304" pitchFamily="18" charset="0"/>
-              <a:cs typeface="Times New Roman" panose="02020603050405020304" pitchFamily="18" charset="0"/>
-            </a:endParaRPr>
           </a:p>
         </p:txBody>
       </p:sp>
@@ -19101,11 +18514,6 @@
               </a:rPr>
               <a:t>There are various steps before images from the camera are sent to the network:</a:t>
             </a:r>
-            <a:endParaRPr lang="en-US" sz="1800" spc="-5" dirty="0">
-              <a:effectLst/>
-              <a:latin typeface="Times New Roman" panose="02020603050405020304" pitchFamily="18" charset="0"/>
-              <a:ea typeface="SimSun" panose="02010600030101010101" pitchFamily="2" charset="-122"/>
-            </a:endParaRPr>
           </a:p>
           <a:p>
             <a:pPr marL="342900" marR="0" lvl="0" indent="-342900" algn="just">
@@ -19133,11 +18541,6 @@
               </a:rPr>
               <a:t>Selection procedure: data with desirable qualities is picked and separated into a training and a validation set, the training set consisting of 80% and the validation set consisting of 20% of the data.</a:t>
             </a:r>
-            <a:endParaRPr lang="en-US" sz="1800" spc="-5" dirty="0">
-              <a:effectLst/>
-              <a:latin typeface="Times New Roman" panose="02020603050405020304" pitchFamily="18" charset="0"/>
-              <a:ea typeface="SimSun" panose="02010600030101010101" pitchFamily="2" charset="-122"/>
-            </a:endParaRPr>
           </a:p>
           <a:p>
             <a:pPr marL="342900" marR="0" lvl="0" indent="-342900" algn="just">
@@ -19165,11 +18568,6 @@
               </a:rPr>
               <a:t>Changing the color scheme of the input photos may be accomplished via the use of the color scheme modification technique.</a:t>
             </a:r>
-            <a:endParaRPr lang="en-US" sz="1800" spc="-5" dirty="0">
-              <a:effectLst/>
-              <a:latin typeface="Times New Roman" panose="02020603050405020304" pitchFamily="18" charset="0"/>
-              <a:ea typeface="SimSun" panose="02010600030101010101" pitchFamily="2" charset="-122"/>
-            </a:endParaRPr>
           </a:p>
           <a:p>
             <a:pPr marL="342900" marR="0" lvl="0" indent="-342900" algn="just">
@@ -19197,11 +18595,6 @@
               </a:rPr>
               <a:t>The photos are then cropped to eliminate the front of the automobile, resized to 66x200, and converted from RGB to YUV since YUV takes into consideration human perception, enabling decreased bandwidth for chrominance components.</a:t>
             </a:r>
-            <a:endParaRPr lang="en-US" sz="1800" spc="-5" dirty="0">
-              <a:effectLst/>
-              <a:latin typeface="Times New Roman" panose="02020603050405020304" pitchFamily="18" charset="0"/>
-              <a:ea typeface="SimSun" panose="02010600030101010101" pitchFamily="2" charset="-122"/>
-            </a:endParaRPr>
           </a:p>
           <a:p>
             <a:pPr marL="342900" marR="0" lvl="0" indent="-342900" algn="just">
@@ -19229,11 +18622,6 @@
               </a:rPr>
               <a:t>Afterwards, the pictures are supplemented by adding simulated shifting and rotations to teach the network how to recover from a bad location or orientation. Using a normal distribution with a mean of 0, the magnitude of each of these disturbances is generated at random.</a:t>
             </a:r>
-            <a:endParaRPr lang="en-US" sz="1800" spc="-5" dirty="0">
-              <a:effectLst/>
-              <a:latin typeface="Times New Roman" panose="02020603050405020304" pitchFamily="18" charset="0"/>
-              <a:ea typeface="SimSun" panose="02010600030101010101" pitchFamily="2" charset="-122"/>
-            </a:endParaRPr>
           </a:p>
           <a:p>
             <a:pPr marL="342900" marR="0" lvl="0" indent="-342900" algn="just">
@@ -19261,11 +18649,6 @@
               </a:rPr>
               <a:t>The last step is to combine the pictures along with their related steering angel, throttle, and brake values and feed to neural networks as arrays.</a:t>
             </a:r>
-            <a:endParaRPr lang="en-US" sz="1800" spc="-5" dirty="0">
-              <a:effectLst/>
-              <a:latin typeface="Times New Roman" panose="02020603050405020304" pitchFamily="18" charset="0"/>
-              <a:ea typeface="SimSun" panose="02010600030101010101" pitchFamily="2" charset="-122"/>
-            </a:endParaRPr>
           </a:p>
           <a:p>
             <a:pPr marL="0" marR="0" indent="0" algn="just">
@@ -19566,6 +18949,8 @@
       </a:bgFillStyleLst>
     </a:fmtScheme>
   </a:themeElements>
+  <a:objectDefaults/>
+  <a:extraClrSchemeLst/>
   <a:extLst>
     <a:ext uri="{05A4C25C-085E-4340-85A3-A5531E510DB2}">
       <thm15:themeFamily xmlns:thm15="http://schemas.microsoft.com/office/thememl/2012/main" name="Office Theme" id="{62F939B6-93AF-4DB8-9C6B-D6C7DFDC589F}" vid="{4A3C46E8-61CC-4603-A589-7422A47A8E4A}"/>
@@ -19825,6 +19210,8 @@
       </a:bgFillStyleLst>
     </a:fmtScheme>
   </a:themeElements>
+  <a:objectDefaults/>
+  <a:extraClrSchemeLst/>
   <a:extLst>
     <a:ext uri="{05A4C25C-085E-4340-85A3-A5531E510DB2}">
       <thm15:themeFamily xmlns:thm15="http://schemas.microsoft.com/office/thememl/2012/main" name="Office Theme" id="{62F939B6-93AF-4DB8-9C6B-D6C7DFDC589F}" vid="{4A3C46E8-61CC-4603-A589-7422A47A8E4A}"/>
@@ -20084,6 +19471,8 @@
       </a:bgFillStyleLst>
     </a:fmtScheme>
   </a:themeElements>
+  <a:objectDefaults/>
+  <a:extraClrSchemeLst/>
   <a:extLst>
     <a:ext uri="{05A4C25C-085E-4340-85A3-A5531E510DB2}">
       <thm15:themeFamily xmlns:thm15="http://schemas.microsoft.com/office/thememl/2012/main" name="Office Theme" id="{62F939B6-93AF-4DB8-9C6B-D6C7DFDC589F}" vid="{4A3C46E8-61CC-4603-A589-7422A47A8E4A}"/>
